--- a/Groopy Project Overview.pptx
+++ b/Groopy Project Overview.pptx
@@ -331,6 +331,18 @@
     </p:ext>
   </p:extLst>
 </p:presentation>
+</file>
+
+<file path=ppt/commentAuthors.xml><?xml version="1.0" encoding="utf-8"?>
+<p:cmAuthorLst xmlns:a="http://schemas.openxmlformats.org/drawingml/2006/main" xmlns:r="http://schemas.openxmlformats.org/officeDocument/2006/relationships" xmlns:p="http://schemas.openxmlformats.org/presentationml/2006/main">
+  <p:cmAuthor id="1" name="David Killian" initials="DK" lastIdx="1" clrIdx="0">
+    <p:extLst>
+      <p:ext uri="{19B8F6BF-5375-455C-9EA6-DF929625EA0E}">
+        <p15:presenceInfo xmlns:p15="http://schemas.microsoft.com/office/powerpoint/2012/main" userId="" providerId=""/>
+      </p:ext>
+    </p:extLst>
+  </p:cmAuthor>
+</p:cmAuthorLst>
 </file>
 
 <file path=ppt/notesMasters/notesMaster1.xml><?xml version="1.0" encoding="utf-8"?>
@@ -3018,7 +3030,7 @@
         <p:spPr>
           <a:xfrm>
             <a:off x="4337825" y="925550"/>
-            <a:ext cx="4516243" cy="5784743"/>
+            <a:ext cx="4516243" cy="6215630"/>
           </a:xfrm>
           <a:prstGeom prst="rect">
             <a:avLst/>
@@ -3040,7 +3052,7 @@
           <a:p>
             <a:pPr algn="ctr">
               <a:spcAft>
-                <a:spcPts val="1200"/>
+                <a:spcPts val="600"/>
               </a:spcAft>
               <a:defRPr sz="2100" b="1"/>
             </a:pPr>
@@ -3052,14 +3064,26 @@
               </a:rPr>
               <a:t>Welcome to </a:t>
             </a:r>
-          </a:p>
-          <a:p>
-            <a:pPr algn="ctr">
-              <a:spcAft>
-                <a:spcPts val="1200"/>
-              </a:spcAft>
-              <a:defRPr sz="2100" b="1"/>
-            </a:pPr>
+            <a:r>
+              <a:rPr lang="en-US" sz="3200" i="1" dirty="0">
+                <a:solidFill>
+                  <a:schemeClr val="accent6">
+                    <a:lumMod val="75000"/>
+                  </a:schemeClr>
+                </a:solidFill>
+                <a:effectLst>
+                  <a:outerShdw blurRad="25400" dist="50800" dir="2700000" algn="tl" rotWithShape="0">
+                    <a:prstClr val="black">
+                      <a:alpha val="40000"/>
+                    </a:prstClr>
+                  </a:outerShdw>
+                </a:effectLst>
+                <a:latin typeface="Arial" charset="0"/>
+                <a:ea typeface="Arial" charset="0"/>
+                <a:cs typeface="Arial" charset="0"/>
+              </a:rPr>
+              <a:t>g</a:t>
+            </a:r>
             <a:r>
               <a:rPr lang="en-US" sz="3200" i="1" dirty="0" smtClean="0">
                 <a:solidFill>
@@ -3078,13 +3102,38 @@
                 <a:ea typeface="Arial" charset="0"/>
                 <a:cs typeface="Arial" charset="0"/>
               </a:rPr>
-              <a:t>groopy </a:t>
+              <a:t>roopy</a:t>
             </a:r>
           </a:p>
           <a:p>
             <a:pPr algn="ctr">
               <a:spcAft>
-                <a:spcPts val="1200"/>
+                <a:spcPts val="600"/>
+              </a:spcAft>
+              <a:defRPr sz="2100" b="1"/>
+            </a:pPr>
+            <a:endParaRPr lang="en-US" sz="3200" i="1" dirty="0">
+              <a:solidFill>
+                <a:schemeClr val="accent6">
+                  <a:lumMod val="75000"/>
+                </a:schemeClr>
+              </a:solidFill>
+              <a:effectLst>
+                <a:outerShdw blurRad="25400" dist="50800" dir="2700000" algn="tl" rotWithShape="0">
+                  <a:prstClr val="black">
+                    <a:alpha val="40000"/>
+                  </a:prstClr>
+                </a:outerShdw>
+              </a:effectLst>
+              <a:latin typeface="Arial" charset="0"/>
+              <a:ea typeface="Arial" charset="0"/>
+              <a:cs typeface="Arial" charset="0"/>
+            </a:endParaRPr>
+          </a:p>
+          <a:p>
+            <a:pPr algn="ctr">
+              <a:spcAft>
+                <a:spcPts val="600"/>
               </a:spcAft>
               <a:defRPr sz="2100" b="1"/>
             </a:pPr>
@@ -3107,6 +3156,31 @@
             </a:endParaRPr>
           </a:p>
           <a:p>
+            <a:pPr algn="ctr">
+              <a:spcAft>
+                <a:spcPts val="600"/>
+              </a:spcAft>
+              <a:defRPr sz="2100" b="1"/>
+            </a:pPr>
+            <a:endParaRPr lang="en-US" sz="3200" i="1" dirty="0" smtClean="0">
+              <a:solidFill>
+                <a:schemeClr val="accent6">
+                  <a:lumMod val="75000"/>
+                </a:schemeClr>
+              </a:solidFill>
+              <a:effectLst>
+                <a:outerShdw blurRad="25400" dist="50800" dir="2700000" algn="tl" rotWithShape="0">
+                  <a:prstClr val="black">
+                    <a:alpha val="40000"/>
+                  </a:prstClr>
+                </a:outerShdw>
+              </a:effectLst>
+              <a:latin typeface="Arial" charset="0"/>
+              <a:ea typeface="Arial" charset="0"/>
+              <a:cs typeface="Arial" charset="0"/>
+            </a:endParaRPr>
+          </a:p>
+          <a:p>
             <a:pPr marL="342900" indent="-342900">
               <a:spcAft>
                 <a:spcPts val="1200"/>
@@ -3116,12 +3190,28 @@
               <a:defRPr sz="2100" b="1"/>
             </a:pPr>
             <a:r>
+              <a:rPr lang="en-US" i="1" dirty="0" smtClean="0">
+                <a:latin typeface="Arial" charset="0"/>
+                <a:ea typeface="Arial" charset="0"/>
+                <a:cs typeface="Arial" charset="0"/>
+              </a:rPr>
+              <a:t>A </a:t>
+            </a:r>
+            <a:r>
               <a:rPr lang="en-US" dirty="0" smtClean="0">
                 <a:latin typeface="Arial" charset="0"/>
                 <a:ea typeface="Arial" charset="0"/>
                 <a:cs typeface="Arial" charset="0"/>
               </a:rPr>
-              <a:t>Build </a:t>
+              <a:t>handy</a:t>
+            </a:r>
+            <a:r>
+              <a:rPr lang="en-US" i="1" dirty="0" smtClean="0">
+                <a:latin typeface="Arial" charset="0"/>
+                <a:ea typeface="Arial" charset="0"/>
+                <a:cs typeface="Arial" charset="0"/>
+              </a:rPr>
+              <a:t> </a:t>
             </a:r>
             <a:r>
               <a:rPr lang="en-US" dirty="0" smtClean="0">
@@ -3129,7 +3219,15 @@
                 <a:ea typeface="Arial" charset="0"/>
                 <a:cs typeface="Arial" charset="0"/>
               </a:rPr>
-              <a:t>an app to track </a:t>
+              <a:t>app </a:t>
+            </a:r>
+            <a:r>
+              <a:rPr lang="en-US" dirty="0" smtClean="0">
+                <a:latin typeface="Arial" charset="0"/>
+                <a:ea typeface="Arial" charset="0"/>
+                <a:cs typeface="Arial" charset="0"/>
+              </a:rPr>
+              <a:t>to track </a:t>
             </a:r>
             <a:r>
               <a:rPr lang="en-US" i="1" dirty="0" smtClean="0">
@@ -3246,6 +3344,262 @@
           </a:prstGeom>
         </p:spPr>
       </p:pic>
+      <p:sp>
+        <p:nvSpPr>
+          <p:cNvPr id="4" name="Rounded Rectangular Callout 3"/>
+          <p:cNvSpPr/>
+          <p:nvPr/>
+        </p:nvSpPr>
+        <p:spPr>
+          <a:xfrm>
+            <a:off x="4315523" y="1739338"/>
+            <a:ext cx="4783873" cy="1089658"/>
+          </a:xfrm>
+          <a:prstGeom prst="wedgeRoundRectCallout">
+            <a:avLst>
+              <a:gd name="adj1" fmla="val 8638"/>
+              <a:gd name="adj2" fmla="val -72407"/>
+              <a:gd name="adj3" fmla="val 16667"/>
+            </a:avLst>
+          </a:prstGeom>
+          <a:solidFill>
+            <a:schemeClr val="tx2">
+              <a:lumMod val="20000"/>
+              <a:lumOff val="80000"/>
+            </a:schemeClr>
+          </a:solidFill>
+          <a:ln w="9525" cap="flat">
+            <a:solidFill>
+              <a:schemeClr val="tx2"/>
+            </a:solidFill>
+            <a:prstDash val="solid"/>
+            <a:round/>
+          </a:ln>
+          <a:effectLst>
+            <a:outerShdw blurRad="50800" dist="76200" dir="2700000" algn="tl" rotWithShape="0">
+              <a:prstClr val="black">
+                <a:alpha val="40000"/>
+              </a:prstClr>
+            </a:outerShdw>
+          </a:effectLst>
+          <a:sp3d/>
+        </p:spPr>
+        <p:style>
+          <a:lnRef idx="0">
+            <a:scrgbClr r="0" g="0" b="0"/>
+          </a:lnRef>
+          <a:fillRef idx="0">
+            <a:scrgbClr r="0" g="0" b="0"/>
+          </a:fillRef>
+          <a:effectRef idx="0">
+            <a:scrgbClr r="0" g="0" b="0"/>
+          </a:effectRef>
+          <a:fontRef idx="none"/>
+        </p:style>
+        <p:txBody>
+          <a:bodyPr rot="0" spcFirstLastPara="1" vertOverflow="overflow" horzOverflow="overflow" vert="horz" wrap="square" lIns="45719" tIns="45719" rIns="45719" bIns="45719" numCol="1" spcCol="38100" rtlCol="0" anchor="t">
+            <a:spAutoFit/>
+          </a:bodyPr>
+          <a:lstStyle/>
+          <a:p>
+            <a:pPr marL="0" marR="0" indent="0" algn="l" defTabSz="914400" rtl="0" fontAlgn="auto" latinLnBrk="0" hangingPunct="0">
+              <a:lnSpc>
+                <a:spcPct val="100000"/>
+              </a:lnSpc>
+              <a:spcBef>
+                <a:spcPts val="0"/>
+              </a:spcBef>
+              <a:spcAft>
+                <a:spcPts val="0"/>
+              </a:spcAft>
+              <a:buClrTx/>
+              <a:buSzTx/>
+              <a:buFontTx/>
+              <a:buNone/>
+              <a:tabLst/>
+            </a:pPr>
+            <a:r>
+              <a:rPr kumimoji="0" lang="en-US" sz="1600" b="0" i="0" u="none" strike="noStrike" cap="none" spc="0" normalizeH="0" baseline="0" dirty="0" smtClean="0">
+                <a:ln>
+                  <a:noFill/>
+                </a:ln>
+                <a:solidFill>
+                  <a:schemeClr val="tx2">
+                    <a:lumMod val="75000"/>
+                  </a:schemeClr>
+                </a:solidFill>
+                <a:effectLst/>
+                <a:uFillTx/>
+                <a:latin typeface="+mj-lt"/>
+                <a:ea typeface="+mj-ea"/>
+                <a:cs typeface="+mj-cs"/>
+                <a:sym typeface="Arial"/>
+              </a:rPr>
+              <a:t>Dictionary</a:t>
+            </a:r>
+          </a:p>
+          <a:p>
+            <a:pPr marL="0" marR="0" indent="0" algn="l" defTabSz="914400" rtl="0" fontAlgn="auto" latinLnBrk="0" hangingPunct="0">
+              <a:lnSpc>
+                <a:spcPct val="100000"/>
+              </a:lnSpc>
+              <a:spcBef>
+                <a:spcPts val="0"/>
+              </a:spcBef>
+              <a:spcAft>
+                <a:spcPts val="0"/>
+              </a:spcAft>
+              <a:buClrTx/>
+              <a:buSzTx/>
+              <a:buFontTx/>
+              <a:buNone/>
+              <a:tabLst/>
+            </a:pPr>
+            <a:r>
+              <a:rPr lang="en-US" sz="1400" b="1" dirty="0"/>
+              <a:t>g</a:t>
+            </a:r>
+            <a:r>
+              <a:rPr lang="en-US" sz="1400" b="1" dirty="0" smtClean="0"/>
+              <a:t>roupie</a:t>
+            </a:r>
+            <a:r>
+              <a:rPr lang="en-US" sz="1400" dirty="0" smtClean="0"/>
+              <a:t> </a:t>
+            </a:r>
+            <a:r>
+              <a:rPr lang="en-US" sz="1400" dirty="0" smtClean="0">
+                <a:solidFill>
+                  <a:schemeClr val="bg1">
+                    <a:lumMod val="40000"/>
+                    <a:lumOff val="60000"/>
+                  </a:schemeClr>
+                </a:solidFill>
+              </a:rPr>
+              <a:t>| ‘grü-pē | </a:t>
+            </a:r>
+            <a:r>
+              <a:rPr lang="en-US" sz="1400" dirty="0" smtClean="0"/>
+              <a:t>noun </a:t>
+            </a:r>
+            <a:r>
+              <a:rPr lang="en-US" sz="1400" i="1" dirty="0" smtClean="0">
+                <a:solidFill>
+                  <a:schemeClr val="bg1">
+                    <a:lumMod val="40000"/>
+                    <a:lumOff val="60000"/>
+                  </a:schemeClr>
+                </a:solidFill>
+              </a:rPr>
+              <a:t>informal</a:t>
+            </a:r>
+          </a:p>
+          <a:p>
+            <a:pPr marL="0" marR="0" indent="0" algn="l" defTabSz="914400" rtl="0" fontAlgn="auto" latinLnBrk="0" hangingPunct="0">
+              <a:lnSpc>
+                <a:spcPct val="100000"/>
+              </a:lnSpc>
+              <a:spcBef>
+                <a:spcPts val="0"/>
+              </a:spcBef>
+              <a:spcAft>
+                <a:spcPts val="0"/>
+              </a:spcAft>
+              <a:buClrTx/>
+              <a:buSzTx/>
+              <a:buFontTx/>
+              <a:buNone/>
+              <a:tabLst/>
+            </a:pPr>
+            <a:r>
+              <a:rPr kumimoji="0" lang="en-US" sz="1300" b="0" i="0" u="none" strike="noStrike" cap="none" spc="0" normalizeH="0" baseline="0" dirty="0" smtClean="0">
+                <a:ln>
+                  <a:noFill/>
+                </a:ln>
+                <a:solidFill>
+                  <a:srgbClr val="000000"/>
+                </a:solidFill>
+                <a:effectLst/>
+                <a:uFillTx/>
+                <a:latin typeface="+mj-lt"/>
+                <a:ea typeface="+mj-ea"/>
+                <a:cs typeface="+mj-cs"/>
+                <a:sym typeface="Arial"/>
+              </a:rPr>
+              <a:t>A</a:t>
+            </a:r>
+            <a:r>
+              <a:rPr kumimoji="0" lang="en-US" sz="1300" b="0" i="0" u="none" strike="noStrike" cap="none" spc="0" normalizeH="0" dirty="0" smtClean="0">
+                <a:ln>
+                  <a:noFill/>
+                </a:ln>
+                <a:solidFill>
+                  <a:srgbClr val="000000"/>
+                </a:solidFill>
+                <a:effectLst/>
+                <a:uFillTx/>
+                <a:latin typeface="+mj-lt"/>
+                <a:ea typeface="+mj-ea"/>
+                <a:cs typeface="+mj-cs"/>
+                <a:sym typeface="Arial"/>
+              </a:rPr>
+              <a:t> person who regularly follows a pop music or other celebrity in the hope of meeting or getting to know them.</a:t>
+            </a:r>
+            <a:endParaRPr kumimoji="0" lang="en-US" sz="1300" b="0" i="0" u="none" strike="noStrike" cap="none" spc="0" normalizeH="0" baseline="0" dirty="0">
+              <a:ln>
+                <a:noFill/>
+              </a:ln>
+              <a:solidFill>
+                <a:srgbClr val="000000"/>
+              </a:solidFill>
+              <a:effectLst/>
+              <a:uFillTx/>
+              <a:latin typeface="+mj-lt"/>
+              <a:ea typeface="+mj-ea"/>
+              <a:cs typeface="+mj-cs"/>
+              <a:sym typeface="Arial"/>
+            </a:endParaRPr>
+          </a:p>
+        </p:txBody>
+      </p:sp>
+      <p:cxnSp>
+        <p:nvCxnSpPr>
+          <p:cNvPr id="6" name="Straight Connector 5"/>
+          <p:cNvCxnSpPr/>
+          <p:nvPr/>
+        </p:nvCxnSpPr>
+        <p:spPr>
+          <a:xfrm>
+            <a:off x="5374888" y="1973766"/>
+            <a:ext cx="3579541" cy="0"/>
+          </a:xfrm>
+          <a:prstGeom prst="line">
+            <a:avLst/>
+          </a:prstGeom>
+          <a:noFill/>
+          <a:ln w="9525" cap="flat">
+            <a:solidFill>
+              <a:schemeClr val="tx2"/>
+            </a:solidFill>
+            <a:prstDash val="solid"/>
+            <a:round/>
+          </a:ln>
+          <a:effectLst/>
+          <a:sp3d/>
+        </p:spPr>
+        <p:style>
+          <a:lnRef idx="0">
+            <a:scrgbClr r="0" g="0" b="0"/>
+          </a:lnRef>
+          <a:fillRef idx="0">
+            <a:scrgbClr r="0" g="0" b="0"/>
+          </a:fillRef>
+          <a:effectRef idx="0">
+            <a:scrgbClr r="0" g="0" b="0"/>
+          </a:effectRef>
+          <a:fontRef idx="none"/>
+        </p:style>
+      </p:cxnSp>
     </p:spTree>
   </p:cSld>
   <p:clrMapOvr>
@@ -3719,15 +4073,7 @@
                 <a:ea typeface="Arial" charset="0"/>
                 <a:cs typeface="Arial" charset="0"/>
               </a:rPr>
-              <a:t>Exception </a:t>
-            </a:r>
-            <a:r>
-              <a:rPr lang="en-US" dirty="0" smtClean="0">
-                <a:latin typeface="Arial" charset="0"/>
-                <a:ea typeface="Arial" charset="0"/>
-                <a:cs typeface="Arial" charset="0"/>
-              </a:rPr>
-              <a:t>handling</a:t>
+              <a:t>Exception handling</a:t>
             </a:r>
           </a:p>
           <a:p>
@@ -3747,11 +4093,6 @@
               </a:rPr>
               <a:t>Data fidelity (affiliates, ‘events’) </a:t>
             </a:r>
-            <a:endParaRPr lang="en-US" dirty="0" smtClean="0">
-              <a:latin typeface="Arial" charset="0"/>
-              <a:ea typeface="Arial" charset="0"/>
-              <a:cs typeface="Arial" charset="0"/>
-            </a:endParaRPr>
           </a:p>
           <a:p>
             <a:pPr marL="342900" indent="-342900">

--- a/Groopy Project Overview.pptx
+++ b/Groopy Project Overview.pptx
@@ -336,11 +336,7 @@
 <file path=ppt/commentAuthors.xml><?xml version="1.0" encoding="utf-8"?>
 <p:cmAuthorLst xmlns:a="http://schemas.openxmlformats.org/drawingml/2006/main" xmlns:r="http://schemas.openxmlformats.org/officeDocument/2006/relationships" xmlns:p="http://schemas.openxmlformats.org/presentationml/2006/main">
   <p:cmAuthor id="1" name="David Killian" initials="DK" lastIdx="1" clrIdx="0">
-    <p:extLst>
-      <p:ext uri="{19B8F6BF-5375-455C-9EA6-DF929625EA0E}">
-        <p15:presenceInfo xmlns:p15="http://schemas.microsoft.com/office/powerpoint/2012/main" userId="" providerId=""/>
-      </p:ext>
-    </p:extLst>
+    <p:extLst/>
   </p:cmAuthor>
 </p:cmAuthorLst>
 </file>
@@ -2820,8 +2816,8 @@
         </p:nvSpPr>
         <p:spPr>
           <a:xfrm>
-            <a:off x="390525" y="3026882"/>
-            <a:ext cx="8229600" cy="723275"/>
+            <a:off x="390525" y="2562656"/>
+            <a:ext cx="8229600" cy="1138773"/>
           </a:xfrm>
           <a:prstGeom prst="rect">
             <a:avLst/>
@@ -2850,10 +2846,41 @@
           </a:lstStyle>
           <a:p>
             <a:r>
-              <a:rPr dirty="0" smtClean="0"/>
-              <a:t>Project Overview</a:t>
-            </a:r>
-            <a:endParaRPr dirty="0"/>
+              <a:rPr lang="en-US" sz="4000" dirty="0" smtClean="0"/>
+              <a:t>Team A.S.K.</a:t>
+            </a:r>
+          </a:p>
+          <a:p>
+            <a:r>
+              <a:rPr sz="2800" i="0" dirty="0" smtClean="0">
+                <a:solidFill>
+                  <a:schemeClr val="bg1">
+                    <a:lumMod val="40000"/>
+                    <a:lumOff val="60000"/>
+                  </a:schemeClr>
+                </a:solidFill>
+              </a:rPr>
+              <a:t>Project </a:t>
+            </a:r>
+            <a:r>
+              <a:rPr sz="2800" i="0" dirty="0" smtClean="0">
+                <a:solidFill>
+                  <a:schemeClr val="bg1">
+                    <a:lumMod val="40000"/>
+                    <a:lumOff val="60000"/>
+                  </a:schemeClr>
+                </a:solidFill>
+              </a:rPr>
+              <a:t>Overview</a:t>
+            </a:r>
+            <a:endParaRPr sz="2800" i="0" dirty="0">
+              <a:solidFill>
+                <a:schemeClr val="bg1">
+                  <a:lumMod val="40000"/>
+                  <a:lumOff val="60000"/>
+                </a:schemeClr>
+              </a:solidFill>
+            </a:endParaRPr>
           </a:p>
         </p:txBody>
       </p:sp>
@@ -3219,15 +3246,7 @@
                 <a:ea typeface="Arial" charset="0"/>
                 <a:cs typeface="Arial" charset="0"/>
               </a:rPr>
-              <a:t>app </a:t>
-            </a:r>
-            <a:r>
-              <a:rPr lang="en-US" dirty="0" smtClean="0">
-                <a:latin typeface="Arial" charset="0"/>
-                <a:ea typeface="Arial" charset="0"/>
-                <a:cs typeface="Arial" charset="0"/>
-              </a:rPr>
-              <a:t>to track </a:t>
+              <a:t>app to track </a:t>
             </a:r>
             <a:r>
               <a:rPr lang="en-US" i="1" dirty="0" smtClean="0">
@@ -3879,7 +3898,7 @@
       </p:sp>
       <p:pic>
         <p:nvPicPr>
-          <p:cNvPr id="6" name="Picture 5"/>
+          <p:cNvPr id="2" name="Picture 1"/>
           <p:cNvPicPr>
             <a:picLocks noChangeAspect="1"/>
           </p:cNvPicPr>
@@ -3899,8 +3918,8 @@
         </p:blipFill>
         <p:spPr>
           <a:xfrm>
-            <a:off x="133814" y="775048"/>
-            <a:ext cx="4107164" cy="3295147"/>
+            <a:off x="130301" y="847492"/>
+            <a:ext cx="4017953" cy="2988527"/>
           </a:xfrm>
           <a:prstGeom prst="rect">
             <a:avLst/>
@@ -4146,7 +4165,7 @@
       </p:sp>
       <p:pic>
         <p:nvPicPr>
-          <p:cNvPr id="6" name="Picture 5"/>
+          <p:cNvPr id="5" name="Picture 4"/>
           <p:cNvPicPr>
             <a:picLocks noChangeAspect="1"/>
           </p:cNvPicPr>
@@ -4166,8 +4185,8 @@
         </p:blipFill>
         <p:spPr>
           <a:xfrm>
-            <a:off x="133814" y="775048"/>
-            <a:ext cx="4107164" cy="3295147"/>
+            <a:off x="130301" y="847492"/>
+            <a:ext cx="4017953" cy="2988527"/>
           </a:xfrm>
           <a:prstGeom prst="rect">
             <a:avLst/>
@@ -4462,7 +4481,7 @@
       </p:sp>
       <p:pic>
         <p:nvPicPr>
-          <p:cNvPr id="6" name="Picture 5"/>
+          <p:cNvPr id="5" name="Picture 4"/>
           <p:cNvPicPr>
             <a:picLocks noChangeAspect="1"/>
           </p:cNvPicPr>
@@ -4482,8 +4501,8 @@
         </p:blipFill>
         <p:spPr>
           <a:xfrm>
-            <a:off x="133814" y="775048"/>
-            <a:ext cx="4107164" cy="3295147"/>
+            <a:off x="130301" y="847492"/>
+            <a:ext cx="4017953" cy="2988527"/>
           </a:xfrm>
           <a:prstGeom prst="rect">
             <a:avLst/>

--- a/Groopy Project Overview.pptx
+++ b/Groopy Project Overview.pptx
@@ -3896,36 +3896,81 @@
           </a:p>
         </p:txBody>
       </p:sp>
-      <p:pic>
-        <p:nvPicPr>
-          <p:cNvPr id="2" name="Picture 1"/>
-          <p:cNvPicPr>
-            <a:picLocks noChangeAspect="1"/>
-          </p:cNvPicPr>
+      <p:grpSp>
+        <p:nvGrpSpPr>
+          <p:cNvPr id="4" name="Group 3"/>
+          <p:cNvGrpSpPr/>
           <p:nvPr/>
-        </p:nvPicPr>
-        <p:blipFill>
-          <a:blip r:embed="rId2">
-            <a:extLst>
-              <a:ext uri="{28A0092B-C50C-407E-A947-70E740481C1C}">
-                <a14:useLocalDpi xmlns:a14="http://schemas.microsoft.com/office/drawing/2010/main" val="0"/>
-              </a:ext>
-            </a:extLst>
-          </a:blip>
-          <a:stretch>
-            <a:fillRect/>
-          </a:stretch>
-        </p:blipFill>
-        <p:spPr>
+        </p:nvGrpSpPr>
+        <p:grpSpPr>
           <a:xfrm>
             <a:off x="130301" y="847492"/>
-            <a:ext cx="4017953" cy="2988527"/>
+            <a:ext cx="4017953" cy="4020656"/>
+            <a:chOff x="130301" y="847492"/>
+            <a:chExt cx="4017953" cy="4020656"/>
           </a:xfrm>
-          <a:prstGeom prst="rect">
-            <a:avLst/>
-          </a:prstGeom>
-        </p:spPr>
-      </p:pic>
+        </p:grpSpPr>
+        <p:pic>
+          <p:nvPicPr>
+            <p:cNvPr id="2" name="Picture 1"/>
+            <p:cNvPicPr>
+              <a:picLocks noChangeAspect="1"/>
+            </p:cNvPicPr>
+            <p:nvPr/>
+          </p:nvPicPr>
+          <p:blipFill>
+            <a:blip r:embed="rId2">
+              <a:extLst>
+                <a:ext uri="{28A0092B-C50C-407E-A947-70E740481C1C}">
+                  <a14:useLocalDpi xmlns:a14="http://schemas.microsoft.com/office/drawing/2010/main" val="0"/>
+                </a:ext>
+              </a:extLst>
+            </a:blip>
+            <a:stretch>
+              <a:fillRect/>
+            </a:stretch>
+          </p:blipFill>
+          <p:spPr>
+            <a:xfrm>
+              <a:off x="130301" y="847492"/>
+              <a:ext cx="4017953" cy="2988527"/>
+            </a:xfrm>
+            <a:prstGeom prst="rect">
+              <a:avLst/>
+            </a:prstGeom>
+          </p:spPr>
+        </p:pic>
+        <p:pic>
+          <p:nvPicPr>
+            <p:cNvPr id="3" name="Picture 2"/>
+            <p:cNvPicPr>
+              <a:picLocks noChangeAspect="1"/>
+            </p:cNvPicPr>
+            <p:nvPr/>
+          </p:nvPicPr>
+          <p:blipFill>
+            <a:blip r:embed="rId3">
+              <a:extLst>
+                <a:ext uri="{28A0092B-C50C-407E-A947-70E740481C1C}">
+                  <a14:useLocalDpi xmlns:a14="http://schemas.microsoft.com/office/drawing/2010/main" val="0"/>
+                </a:ext>
+              </a:extLst>
+            </a:blip>
+            <a:stretch>
+              <a:fillRect/>
+            </a:stretch>
+          </p:blipFill>
+          <p:spPr>
+            <a:xfrm>
+              <a:off x="130301" y="3812726"/>
+              <a:ext cx="4017953" cy="1055422"/>
+            </a:xfrm>
+            <a:prstGeom prst="rect">
+              <a:avLst/>
+            </a:prstGeom>
+          </p:spPr>
+        </p:pic>
+      </p:grpSp>
     </p:spTree>
     <p:extLst>
       <p:ext uri="{BB962C8B-B14F-4D97-AF65-F5344CB8AC3E}">
@@ -4163,36 +4208,81 @@
           </a:p>
         </p:txBody>
       </p:sp>
-      <p:pic>
-        <p:nvPicPr>
-          <p:cNvPr id="5" name="Picture 4"/>
-          <p:cNvPicPr>
-            <a:picLocks noChangeAspect="1"/>
-          </p:cNvPicPr>
+      <p:grpSp>
+        <p:nvGrpSpPr>
+          <p:cNvPr id="7" name="Group 6"/>
+          <p:cNvGrpSpPr/>
           <p:nvPr/>
-        </p:nvPicPr>
-        <p:blipFill>
-          <a:blip r:embed="rId2">
-            <a:extLst>
-              <a:ext uri="{28A0092B-C50C-407E-A947-70E740481C1C}">
-                <a14:useLocalDpi xmlns:a14="http://schemas.microsoft.com/office/drawing/2010/main" val="0"/>
-              </a:ext>
-            </a:extLst>
-          </a:blip>
-          <a:stretch>
-            <a:fillRect/>
-          </a:stretch>
-        </p:blipFill>
-        <p:spPr>
+        </p:nvGrpSpPr>
+        <p:grpSpPr>
           <a:xfrm>
             <a:off x="130301" y="847492"/>
-            <a:ext cx="4017953" cy="2988527"/>
+            <a:ext cx="4017953" cy="4020656"/>
+            <a:chOff x="130301" y="847492"/>
+            <a:chExt cx="4017953" cy="4020656"/>
           </a:xfrm>
-          <a:prstGeom prst="rect">
-            <a:avLst/>
-          </a:prstGeom>
-        </p:spPr>
-      </p:pic>
+        </p:grpSpPr>
+        <p:pic>
+          <p:nvPicPr>
+            <p:cNvPr id="8" name="Picture 7"/>
+            <p:cNvPicPr>
+              <a:picLocks noChangeAspect="1"/>
+            </p:cNvPicPr>
+            <p:nvPr/>
+          </p:nvPicPr>
+          <p:blipFill>
+            <a:blip r:embed="rId2">
+              <a:extLst>
+                <a:ext uri="{28A0092B-C50C-407E-A947-70E740481C1C}">
+                  <a14:useLocalDpi xmlns:a14="http://schemas.microsoft.com/office/drawing/2010/main" val="0"/>
+                </a:ext>
+              </a:extLst>
+            </a:blip>
+            <a:stretch>
+              <a:fillRect/>
+            </a:stretch>
+          </p:blipFill>
+          <p:spPr>
+            <a:xfrm>
+              <a:off x="130301" y="847492"/>
+              <a:ext cx="4017953" cy="2988527"/>
+            </a:xfrm>
+            <a:prstGeom prst="rect">
+              <a:avLst/>
+            </a:prstGeom>
+          </p:spPr>
+        </p:pic>
+        <p:pic>
+          <p:nvPicPr>
+            <p:cNvPr id="9" name="Picture 8"/>
+            <p:cNvPicPr>
+              <a:picLocks noChangeAspect="1"/>
+            </p:cNvPicPr>
+            <p:nvPr/>
+          </p:nvPicPr>
+          <p:blipFill>
+            <a:blip r:embed="rId3">
+              <a:extLst>
+                <a:ext uri="{28A0092B-C50C-407E-A947-70E740481C1C}">
+                  <a14:useLocalDpi xmlns:a14="http://schemas.microsoft.com/office/drawing/2010/main" val="0"/>
+                </a:ext>
+              </a:extLst>
+            </a:blip>
+            <a:stretch>
+              <a:fillRect/>
+            </a:stretch>
+          </p:blipFill>
+          <p:spPr>
+            <a:xfrm>
+              <a:off x="130301" y="3812726"/>
+              <a:ext cx="4017953" cy="1055422"/>
+            </a:xfrm>
+            <a:prstGeom prst="rect">
+              <a:avLst/>
+            </a:prstGeom>
+          </p:spPr>
+        </p:pic>
+      </p:grpSp>
     </p:spTree>
     <p:extLst>
       <p:ext uri="{BB962C8B-B14F-4D97-AF65-F5344CB8AC3E}">
@@ -4479,36 +4569,81 @@
           </a:p>
         </p:txBody>
       </p:sp>
-      <p:pic>
-        <p:nvPicPr>
-          <p:cNvPr id="5" name="Picture 4"/>
-          <p:cNvPicPr>
-            <a:picLocks noChangeAspect="1"/>
-          </p:cNvPicPr>
+      <p:grpSp>
+        <p:nvGrpSpPr>
+          <p:cNvPr id="7" name="Group 6"/>
+          <p:cNvGrpSpPr/>
           <p:nvPr/>
-        </p:nvPicPr>
-        <p:blipFill>
-          <a:blip r:embed="rId2">
-            <a:extLst>
-              <a:ext uri="{28A0092B-C50C-407E-A947-70E740481C1C}">
-                <a14:useLocalDpi xmlns:a14="http://schemas.microsoft.com/office/drawing/2010/main" val="0"/>
-              </a:ext>
-            </a:extLst>
-          </a:blip>
-          <a:stretch>
-            <a:fillRect/>
-          </a:stretch>
-        </p:blipFill>
-        <p:spPr>
+        </p:nvGrpSpPr>
+        <p:grpSpPr>
           <a:xfrm>
             <a:off x="130301" y="847492"/>
-            <a:ext cx="4017953" cy="2988527"/>
+            <a:ext cx="4017953" cy="4020656"/>
+            <a:chOff x="130301" y="847492"/>
+            <a:chExt cx="4017953" cy="4020656"/>
           </a:xfrm>
-          <a:prstGeom prst="rect">
-            <a:avLst/>
-          </a:prstGeom>
-        </p:spPr>
-      </p:pic>
+        </p:grpSpPr>
+        <p:pic>
+          <p:nvPicPr>
+            <p:cNvPr id="8" name="Picture 7"/>
+            <p:cNvPicPr>
+              <a:picLocks noChangeAspect="1"/>
+            </p:cNvPicPr>
+            <p:nvPr/>
+          </p:nvPicPr>
+          <p:blipFill>
+            <a:blip r:embed="rId2">
+              <a:extLst>
+                <a:ext uri="{28A0092B-C50C-407E-A947-70E740481C1C}">
+                  <a14:useLocalDpi xmlns:a14="http://schemas.microsoft.com/office/drawing/2010/main" val="0"/>
+                </a:ext>
+              </a:extLst>
+            </a:blip>
+            <a:stretch>
+              <a:fillRect/>
+            </a:stretch>
+          </p:blipFill>
+          <p:spPr>
+            <a:xfrm>
+              <a:off x="130301" y="847492"/>
+              <a:ext cx="4017953" cy="2988527"/>
+            </a:xfrm>
+            <a:prstGeom prst="rect">
+              <a:avLst/>
+            </a:prstGeom>
+          </p:spPr>
+        </p:pic>
+        <p:pic>
+          <p:nvPicPr>
+            <p:cNvPr id="9" name="Picture 8"/>
+            <p:cNvPicPr>
+              <a:picLocks noChangeAspect="1"/>
+            </p:cNvPicPr>
+            <p:nvPr/>
+          </p:nvPicPr>
+          <p:blipFill>
+            <a:blip r:embed="rId3">
+              <a:extLst>
+                <a:ext uri="{28A0092B-C50C-407E-A947-70E740481C1C}">
+                  <a14:useLocalDpi xmlns:a14="http://schemas.microsoft.com/office/drawing/2010/main" val="0"/>
+                </a:ext>
+              </a:extLst>
+            </a:blip>
+            <a:stretch>
+              <a:fillRect/>
+            </a:stretch>
+          </p:blipFill>
+          <p:spPr>
+            <a:xfrm>
+              <a:off x="130301" y="3812726"/>
+              <a:ext cx="4017953" cy="1055422"/>
+            </a:xfrm>
+            <a:prstGeom prst="rect">
+              <a:avLst/>
+            </a:prstGeom>
+          </p:spPr>
+        </p:pic>
+      </p:grpSp>
     </p:spTree>
     <p:extLst>
       <p:ext uri="{BB962C8B-B14F-4D97-AF65-F5344CB8AC3E}">

--- a/Groopy Project Overview.pptx
+++ b/Groopy Project Overview.pptx
@@ -5,7 +5,7 @@
     <p:sldMasterId id="2147483648" r:id="rId1"/>
   </p:sldMasterIdLst>
   <p:notesMasterIdLst>
-    <p:notesMasterId r:id="rId7"/>
+    <p:notesMasterId r:id="rId9"/>
   </p:notesMasterIdLst>
   <p:sldIdLst>
     <p:sldId id="257" r:id="rId2"/>
@@ -13,6 +13,8 @@
     <p:sldId id="288" r:id="rId4"/>
     <p:sldId id="290" r:id="rId5"/>
     <p:sldId id="289" r:id="rId6"/>
+    <p:sldId id="291" r:id="rId7"/>
+    <p:sldId id="292" r:id="rId8"/>
   </p:sldIdLst>
   <p:sldSz cx="9144000" cy="6858000" type="screen4x3"/>
   <p:notesSz cx="6858000" cy="9144000"/>
@@ -2976,9 +2978,21 @@
   <p:clrMapOvr>
     <a:masterClrMapping/>
   </p:clrMapOvr>
-  <p:transition>
-    <p:dissolve/>
-  </p:transition>
+  <mc:AlternateContent xmlns:mc="http://schemas.openxmlformats.org/markup-compatibility/2006">
+    <mc:Choice xmlns:p14="http://schemas.microsoft.com/office/powerpoint/2010/main" Requires="p14">
+      <p:transition p14:dur="0"/>
+    </mc:Choice>
+    <mc:Fallback>
+      <p:transition/>
+    </mc:Fallback>
+  </mc:AlternateContent>
+  <p:timing>
+    <p:tnLst>
+      <p:par>
+        <p:cTn id="1" dur="indefinite" restart="never" nodeType="tmRoot"/>
+      </p:par>
+    </p:tnLst>
+  </p:timing>
 </p:sld>
 </file>
 
@@ -3048,291 +3062,6 @@
           </a:p>
         </p:txBody>
       </p:sp>
-      <p:sp>
-        <p:nvSpPr>
-          <p:cNvPr id="106" name="Team #1…"/>
-          <p:cNvSpPr/>
-          <p:nvPr/>
-        </p:nvSpPr>
-        <p:spPr>
-          <a:xfrm>
-            <a:off x="4337825" y="925550"/>
-            <a:ext cx="4516243" cy="6215630"/>
-          </a:xfrm>
-          <a:prstGeom prst="rect">
-            <a:avLst/>
-          </a:prstGeom>
-          <a:ln w="12700">
-            <a:miter lim="400000"/>
-          </a:ln>
-          <a:extLst>
-            <a:ext uri="{C572A759-6A51-4108-AA02-DFA0A04FC94B}">
-              <ma14:wrappingTextBoxFlag xmlns:ma14="http://schemas.microsoft.com/office/mac/drawingml/2011/main" val="1"/>
-            </a:ext>
-          </a:extLst>
-        </p:spPr>
-        <p:txBody>
-          <a:bodyPr wrap="square" lIns="44999" tIns="44999" rIns="44999" bIns="44999">
-            <a:spAutoFit/>
-          </a:bodyPr>
-          <a:lstStyle/>
-          <a:p>
-            <a:pPr algn="ctr">
-              <a:spcAft>
-                <a:spcPts val="600"/>
-              </a:spcAft>
-              <a:defRPr sz="2100" b="1"/>
-            </a:pPr>
-            <a:r>
-              <a:rPr lang="en-US" sz="2600" dirty="0" smtClean="0">
-                <a:latin typeface="Arial" charset="0"/>
-                <a:ea typeface="Arial" charset="0"/>
-                <a:cs typeface="Arial" charset="0"/>
-              </a:rPr>
-              <a:t>Welcome to </a:t>
-            </a:r>
-            <a:r>
-              <a:rPr lang="en-US" sz="3200" i="1" dirty="0">
-                <a:solidFill>
-                  <a:schemeClr val="accent6">
-                    <a:lumMod val="75000"/>
-                  </a:schemeClr>
-                </a:solidFill>
-                <a:effectLst>
-                  <a:outerShdw blurRad="25400" dist="50800" dir="2700000" algn="tl" rotWithShape="0">
-                    <a:prstClr val="black">
-                      <a:alpha val="40000"/>
-                    </a:prstClr>
-                  </a:outerShdw>
-                </a:effectLst>
-                <a:latin typeface="Arial" charset="0"/>
-                <a:ea typeface="Arial" charset="0"/>
-                <a:cs typeface="Arial" charset="0"/>
-              </a:rPr>
-              <a:t>g</a:t>
-            </a:r>
-            <a:r>
-              <a:rPr lang="en-US" sz="3200" i="1" dirty="0" smtClean="0">
-                <a:solidFill>
-                  <a:schemeClr val="accent6">
-                    <a:lumMod val="75000"/>
-                  </a:schemeClr>
-                </a:solidFill>
-                <a:effectLst>
-                  <a:outerShdw blurRad="25400" dist="50800" dir="2700000" algn="tl" rotWithShape="0">
-                    <a:prstClr val="black">
-                      <a:alpha val="40000"/>
-                    </a:prstClr>
-                  </a:outerShdw>
-                </a:effectLst>
-                <a:latin typeface="Arial" charset="0"/>
-                <a:ea typeface="Arial" charset="0"/>
-                <a:cs typeface="Arial" charset="0"/>
-              </a:rPr>
-              <a:t>roopy</a:t>
-            </a:r>
-          </a:p>
-          <a:p>
-            <a:pPr algn="ctr">
-              <a:spcAft>
-                <a:spcPts val="600"/>
-              </a:spcAft>
-              <a:defRPr sz="2100" b="1"/>
-            </a:pPr>
-            <a:endParaRPr lang="en-US" sz="3200" i="1" dirty="0">
-              <a:solidFill>
-                <a:schemeClr val="accent6">
-                  <a:lumMod val="75000"/>
-                </a:schemeClr>
-              </a:solidFill>
-              <a:effectLst>
-                <a:outerShdw blurRad="25400" dist="50800" dir="2700000" algn="tl" rotWithShape="0">
-                  <a:prstClr val="black">
-                    <a:alpha val="40000"/>
-                  </a:prstClr>
-                </a:outerShdw>
-              </a:effectLst>
-              <a:latin typeface="Arial" charset="0"/>
-              <a:ea typeface="Arial" charset="0"/>
-              <a:cs typeface="Arial" charset="0"/>
-            </a:endParaRPr>
-          </a:p>
-          <a:p>
-            <a:pPr algn="ctr">
-              <a:spcAft>
-                <a:spcPts val="600"/>
-              </a:spcAft>
-              <a:defRPr sz="2100" b="1"/>
-            </a:pPr>
-            <a:endParaRPr lang="en-US" sz="3200" i="1" dirty="0" smtClean="0">
-              <a:solidFill>
-                <a:schemeClr val="accent6">
-                  <a:lumMod val="75000"/>
-                </a:schemeClr>
-              </a:solidFill>
-              <a:effectLst>
-                <a:outerShdw blurRad="25400" dist="50800" dir="2700000" algn="tl" rotWithShape="0">
-                  <a:prstClr val="black">
-                    <a:alpha val="40000"/>
-                  </a:prstClr>
-                </a:outerShdw>
-              </a:effectLst>
-              <a:latin typeface="Arial" charset="0"/>
-              <a:ea typeface="Arial" charset="0"/>
-              <a:cs typeface="Arial" charset="0"/>
-            </a:endParaRPr>
-          </a:p>
-          <a:p>
-            <a:pPr algn="ctr">
-              <a:spcAft>
-                <a:spcPts val="600"/>
-              </a:spcAft>
-              <a:defRPr sz="2100" b="1"/>
-            </a:pPr>
-            <a:endParaRPr lang="en-US" sz="3200" i="1" dirty="0" smtClean="0">
-              <a:solidFill>
-                <a:schemeClr val="accent6">
-                  <a:lumMod val="75000"/>
-                </a:schemeClr>
-              </a:solidFill>
-              <a:effectLst>
-                <a:outerShdw blurRad="25400" dist="50800" dir="2700000" algn="tl" rotWithShape="0">
-                  <a:prstClr val="black">
-                    <a:alpha val="40000"/>
-                  </a:prstClr>
-                </a:outerShdw>
-              </a:effectLst>
-              <a:latin typeface="Arial" charset="0"/>
-              <a:ea typeface="Arial" charset="0"/>
-              <a:cs typeface="Arial" charset="0"/>
-            </a:endParaRPr>
-          </a:p>
-          <a:p>
-            <a:pPr marL="342900" indent="-342900">
-              <a:spcAft>
-                <a:spcPts val="1200"/>
-              </a:spcAft>
-              <a:buFont typeface="Arial" charset="0"/>
-              <a:buChar char="•"/>
-              <a:defRPr sz="2100" b="1"/>
-            </a:pPr>
-            <a:r>
-              <a:rPr lang="en-US" i="1" dirty="0" smtClean="0">
-                <a:latin typeface="Arial" charset="0"/>
-                <a:ea typeface="Arial" charset="0"/>
-                <a:cs typeface="Arial" charset="0"/>
-              </a:rPr>
-              <a:t>A </a:t>
-            </a:r>
-            <a:r>
-              <a:rPr lang="en-US" dirty="0" smtClean="0">
-                <a:latin typeface="Arial" charset="0"/>
-                <a:ea typeface="Arial" charset="0"/>
-                <a:cs typeface="Arial" charset="0"/>
-              </a:rPr>
-              <a:t>handy</a:t>
-            </a:r>
-            <a:r>
-              <a:rPr lang="en-US" i="1" dirty="0" smtClean="0">
-                <a:latin typeface="Arial" charset="0"/>
-                <a:ea typeface="Arial" charset="0"/>
-                <a:cs typeface="Arial" charset="0"/>
-              </a:rPr>
-              <a:t> </a:t>
-            </a:r>
-            <a:r>
-              <a:rPr lang="en-US" dirty="0" smtClean="0">
-                <a:latin typeface="Arial" charset="0"/>
-                <a:ea typeface="Arial" charset="0"/>
-                <a:cs typeface="Arial" charset="0"/>
-              </a:rPr>
-              <a:t>app to track </a:t>
-            </a:r>
-            <a:r>
-              <a:rPr lang="en-US" i="1" dirty="0" smtClean="0">
-                <a:latin typeface="Arial" charset="0"/>
-                <a:ea typeface="Arial" charset="0"/>
-                <a:cs typeface="Arial" charset="0"/>
-              </a:rPr>
-              <a:t>our</a:t>
-            </a:r>
-            <a:r>
-              <a:rPr lang="en-US" dirty="0" smtClean="0">
-                <a:latin typeface="Arial" charset="0"/>
-                <a:ea typeface="Arial" charset="0"/>
-                <a:cs typeface="Arial" charset="0"/>
-              </a:rPr>
-              <a:t> favorite bands and where they are playing next</a:t>
-            </a:r>
-          </a:p>
-          <a:p>
-            <a:pPr marL="342900" indent="-342900">
-              <a:spcAft>
-                <a:spcPts val="1200"/>
-              </a:spcAft>
-              <a:buFont typeface="Arial" charset="0"/>
-              <a:buChar char="•"/>
-              <a:defRPr sz="2100" b="1"/>
-            </a:pPr>
-            <a:r>
-              <a:rPr lang="en-US" dirty="0" smtClean="0">
-                <a:latin typeface="Arial" charset="0"/>
-                <a:ea typeface="Arial" charset="0"/>
-                <a:cs typeface="Arial" charset="0"/>
-              </a:rPr>
-              <a:t>Pull pertinent data for band bio, image, top songs, upcoming events</a:t>
-            </a:r>
-          </a:p>
-          <a:p>
-            <a:pPr marL="342900" indent="-342900">
-              <a:spcAft>
-                <a:spcPts val="1200"/>
-              </a:spcAft>
-              <a:buFont typeface="Arial" charset="0"/>
-              <a:buChar char="•"/>
-              <a:defRPr sz="2100" b="1"/>
-            </a:pPr>
-            <a:r>
-              <a:rPr lang="en-US" dirty="0" smtClean="0">
-                <a:latin typeface="Arial" charset="0"/>
-                <a:ea typeface="Arial" charset="0"/>
-                <a:cs typeface="Arial" charset="0"/>
-              </a:rPr>
-              <a:t>Design a clean, easy-to-use interface</a:t>
-            </a:r>
-          </a:p>
-          <a:p>
-            <a:pPr marL="342900" indent="-342900">
-              <a:spcAft>
-                <a:spcPts val="1200"/>
-              </a:spcAft>
-              <a:buFont typeface="Arial" charset="0"/>
-              <a:buChar char="•"/>
-              <a:defRPr sz="2100" b="1"/>
-            </a:pPr>
-            <a:endParaRPr lang="en-US" dirty="0">
-              <a:latin typeface="Arial" charset="0"/>
-              <a:ea typeface="Arial" charset="0"/>
-              <a:cs typeface="Arial" charset="0"/>
-            </a:endParaRPr>
-          </a:p>
-          <a:p>
-            <a:pPr marL="342900" indent="-342900">
-              <a:spcAft>
-                <a:spcPts val="1200"/>
-              </a:spcAft>
-              <a:buFont typeface="Arial" charset="0"/>
-              <a:buChar char="•"/>
-              <a:defRPr sz="2100" b="1"/>
-            </a:pPr>
-            <a:endParaRPr dirty="0">
-              <a:latin typeface="Arial" charset="0"/>
-              <a:ea typeface="Arial" charset="0"/>
-              <a:cs typeface="Arial" charset="0"/>
-            </a:endParaRPr>
-          </a:p>
-        </p:txBody>
-      </p:sp>
       <p:pic>
         <p:nvPicPr>
           <p:cNvPr id="2" name="Picture 1"/>
@@ -3363,175 +3092,222 @@
           </a:prstGeom>
         </p:spPr>
       </p:pic>
-      <p:sp>
-        <p:nvSpPr>
-          <p:cNvPr id="4" name="Rounded Rectangular Callout 3"/>
-          <p:cNvSpPr/>
+      <p:grpSp>
+        <p:nvGrpSpPr>
+          <p:cNvPr id="3" name="Group 2"/>
+          <p:cNvGrpSpPr/>
           <p:nvPr/>
-        </p:nvSpPr>
-        <p:spPr>
+        </p:nvGrpSpPr>
+        <p:grpSpPr>
           <a:xfrm>
             <a:off x="4315523" y="1739338"/>
             <a:ext cx="4783873" cy="1089658"/>
+            <a:chOff x="4315523" y="1739338"/>
+            <a:chExt cx="4783873" cy="1089658"/>
           </a:xfrm>
-          <a:prstGeom prst="wedgeRoundRectCallout">
-            <a:avLst>
-              <a:gd name="adj1" fmla="val 8638"/>
-              <a:gd name="adj2" fmla="val -72407"/>
-              <a:gd name="adj3" fmla="val 16667"/>
-            </a:avLst>
-          </a:prstGeom>
-          <a:solidFill>
-            <a:schemeClr val="tx2">
-              <a:lumMod val="20000"/>
-              <a:lumOff val="80000"/>
-            </a:schemeClr>
-          </a:solidFill>
-          <a:ln w="9525" cap="flat">
+        </p:grpSpPr>
+        <p:sp>
+          <p:nvSpPr>
+            <p:cNvPr id="4" name="Rounded Rectangular Callout 3"/>
+            <p:cNvSpPr/>
+            <p:nvPr/>
+          </p:nvSpPr>
+          <p:spPr>
+            <a:xfrm>
+              <a:off x="4315523" y="1739338"/>
+              <a:ext cx="4783873" cy="1089658"/>
+            </a:xfrm>
+            <a:prstGeom prst="wedgeRoundRectCallout">
+              <a:avLst>
+                <a:gd name="adj1" fmla="val 8638"/>
+                <a:gd name="adj2" fmla="val -72407"/>
+                <a:gd name="adj3" fmla="val 16667"/>
+              </a:avLst>
+            </a:prstGeom>
             <a:solidFill>
-              <a:schemeClr val="tx2"/>
+              <a:schemeClr val="tx2">
+                <a:lumMod val="20000"/>
+                <a:lumOff val="80000"/>
+              </a:schemeClr>
             </a:solidFill>
-            <a:prstDash val="solid"/>
-            <a:round/>
-          </a:ln>
-          <a:effectLst>
-            <a:outerShdw blurRad="50800" dist="76200" dir="2700000" algn="tl" rotWithShape="0">
-              <a:prstClr val="black">
-                <a:alpha val="40000"/>
-              </a:prstClr>
-            </a:outerShdw>
-          </a:effectLst>
-          <a:sp3d/>
-        </p:spPr>
-        <p:style>
-          <a:lnRef idx="0">
-            <a:scrgbClr r="0" g="0" b="0"/>
-          </a:lnRef>
-          <a:fillRef idx="0">
-            <a:scrgbClr r="0" g="0" b="0"/>
-          </a:fillRef>
-          <a:effectRef idx="0">
-            <a:scrgbClr r="0" g="0" b="0"/>
-          </a:effectRef>
-          <a:fontRef idx="none"/>
-        </p:style>
-        <p:txBody>
-          <a:bodyPr rot="0" spcFirstLastPara="1" vertOverflow="overflow" horzOverflow="overflow" vert="horz" wrap="square" lIns="45719" tIns="45719" rIns="45719" bIns="45719" numCol="1" spcCol="38100" rtlCol="0" anchor="t">
-            <a:spAutoFit/>
-          </a:bodyPr>
-          <a:lstStyle/>
-          <a:p>
-            <a:pPr marL="0" marR="0" indent="0" algn="l" defTabSz="914400" rtl="0" fontAlgn="auto" latinLnBrk="0" hangingPunct="0">
-              <a:lnSpc>
-                <a:spcPct val="100000"/>
-              </a:lnSpc>
-              <a:spcBef>
-                <a:spcPts val="0"/>
-              </a:spcBef>
-              <a:spcAft>
-                <a:spcPts val="0"/>
-              </a:spcAft>
-              <a:buClrTx/>
-              <a:buSzTx/>
-              <a:buFontTx/>
-              <a:buNone/>
-              <a:tabLst/>
-            </a:pPr>
-            <a:r>
-              <a:rPr kumimoji="0" lang="en-US" sz="1600" b="0" i="0" u="none" strike="noStrike" cap="none" spc="0" normalizeH="0" baseline="0" dirty="0" smtClean="0">
-                <a:ln>
-                  <a:noFill/>
-                </a:ln>
-                <a:solidFill>
-                  <a:schemeClr val="tx2">
-                    <a:lumMod val="75000"/>
-                  </a:schemeClr>
-                </a:solidFill>
-                <a:effectLst/>
-                <a:uFillTx/>
-                <a:latin typeface="+mj-lt"/>
-                <a:ea typeface="+mj-ea"/>
-                <a:cs typeface="+mj-cs"/>
-                <a:sym typeface="Arial"/>
-              </a:rPr>
-              <a:t>Dictionary</a:t>
-            </a:r>
-          </a:p>
-          <a:p>
-            <a:pPr marL="0" marR="0" indent="0" algn="l" defTabSz="914400" rtl="0" fontAlgn="auto" latinLnBrk="0" hangingPunct="0">
-              <a:lnSpc>
-                <a:spcPct val="100000"/>
-              </a:lnSpc>
-              <a:spcBef>
-                <a:spcPts val="0"/>
-              </a:spcBef>
-              <a:spcAft>
-                <a:spcPts val="0"/>
-              </a:spcAft>
-              <a:buClrTx/>
-              <a:buSzTx/>
-              <a:buFontTx/>
-              <a:buNone/>
-              <a:tabLst/>
-            </a:pPr>
-            <a:r>
-              <a:rPr lang="en-US" sz="1400" b="1" dirty="0"/>
-              <a:t>g</a:t>
-            </a:r>
-            <a:r>
-              <a:rPr lang="en-US" sz="1400" b="1" dirty="0" smtClean="0"/>
-              <a:t>roupie</a:t>
-            </a:r>
-            <a:r>
-              <a:rPr lang="en-US" sz="1400" dirty="0" smtClean="0"/>
-              <a:t> </a:t>
-            </a:r>
-            <a:r>
-              <a:rPr lang="en-US" sz="1400" dirty="0" smtClean="0">
-                <a:solidFill>
-                  <a:schemeClr val="bg1">
-                    <a:lumMod val="40000"/>
-                    <a:lumOff val="60000"/>
-                  </a:schemeClr>
-                </a:solidFill>
-              </a:rPr>
-              <a:t>| ‘grü-pē | </a:t>
-            </a:r>
-            <a:r>
-              <a:rPr lang="en-US" sz="1400" dirty="0" smtClean="0"/>
-              <a:t>noun </a:t>
-            </a:r>
-            <a:r>
-              <a:rPr lang="en-US" sz="1400" i="1" dirty="0" smtClean="0">
-                <a:solidFill>
-                  <a:schemeClr val="bg1">
-                    <a:lumMod val="40000"/>
-                    <a:lumOff val="60000"/>
-                  </a:schemeClr>
-                </a:solidFill>
-              </a:rPr>
-              <a:t>informal</a:t>
-            </a:r>
-          </a:p>
-          <a:p>
-            <a:pPr marL="0" marR="0" indent="0" algn="l" defTabSz="914400" rtl="0" fontAlgn="auto" latinLnBrk="0" hangingPunct="0">
-              <a:lnSpc>
-                <a:spcPct val="100000"/>
-              </a:lnSpc>
-              <a:spcBef>
-                <a:spcPts val="0"/>
-              </a:spcBef>
-              <a:spcAft>
-                <a:spcPts val="0"/>
-              </a:spcAft>
-              <a:buClrTx/>
-              <a:buSzTx/>
-              <a:buFontTx/>
-              <a:buNone/>
-              <a:tabLst/>
-            </a:pPr>
-            <a:r>
-              <a:rPr kumimoji="0" lang="en-US" sz="1300" b="0" i="0" u="none" strike="noStrike" cap="none" spc="0" normalizeH="0" baseline="0" dirty="0" smtClean="0">
+            <a:ln w="9525" cap="flat">
+              <a:solidFill>
+                <a:schemeClr val="tx2"/>
+              </a:solidFill>
+              <a:prstDash val="solid"/>
+              <a:round/>
+            </a:ln>
+            <a:effectLst>
+              <a:outerShdw blurRad="50800" dist="76200" dir="2700000" algn="tl" rotWithShape="0">
+                <a:prstClr val="black">
+                  <a:alpha val="40000"/>
+                </a:prstClr>
+              </a:outerShdw>
+            </a:effectLst>
+            <a:sp3d/>
+          </p:spPr>
+          <p:style>
+            <a:lnRef idx="0">
+              <a:scrgbClr r="0" g="0" b="0"/>
+            </a:lnRef>
+            <a:fillRef idx="0">
+              <a:scrgbClr r="0" g="0" b="0"/>
+            </a:fillRef>
+            <a:effectRef idx="0">
+              <a:scrgbClr r="0" g="0" b="0"/>
+            </a:effectRef>
+            <a:fontRef idx="none"/>
+          </p:style>
+          <p:txBody>
+            <a:bodyPr rot="0" spcFirstLastPara="1" vertOverflow="overflow" horzOverflow="overflow" vert="horz" wrap="square" lIns="45719" tIns="45719" rIns="45719" bIns="45719" numCol="1" spcCol="38100" rtlCol="0" anchor="t">
+              <a:spAutoFit/>
+            </a:bodyPr>
+            <a:lstStyle/>
+            <a:p>
+              <a:pPr marL="0" marR="0" indent="0" algn="l" defTabSz="914400" rtl="0" fontAlgn="auto" latinLnBrk="0" hangingPunct="0">
+                <a:lnSpc>
+                  <a:spcPct val="100000"/>
+                </a:lnSpc>
+                <a:spcBef>
+                  <a:spcPts val="0"/>
+                </a:spcBef>
+                <a:spcAft>
+                  <a:spcPts val="0"/>
+                </a:spcAft>
+                <a:buClrTx/>
+                <a:buSzTx/>
+                <a:buFontTx/>
+                <a:buNone/>
+                <a:tabLst/>
+              </a:pPr>
+              <a:r>
+                <a:rPr kumimoji="0" lang="en-US" sz="1600" b="0" i="0" u="none" strike="noStrike" cap="none" spc="0" normalizeH="0" baseline="0" dirty="0" smtClean="0">
+                  <a:ln>
+                    <a:noFill/>
+                  </a:ln>
+                  <a:solidFill>
+                    <a:schemeClr val="tx2">
+                      <a:lumMod val="75000"/>
+                    </a:schemeClr>
+                  </a:solidFill>
+                  <a:effectLst/>
+                  <a:uFillTx/>
+                  <a:latin typeface="+mj-lt"/>
+                  <a:ea typeface="+mj-ea"/>
+                  <a:cs typeface="+mj-cs"/>
+                  <a:sym typeface="Arial"/>
+                </a:rPr>
+                <a:t>Dictionary</a:t>
+              </a:r>
+            </a:p>
+            <a:p>
+              <a:pPr marL="0" marR="0" indent="0" algn="l" defTabSz="914400" rtl="0" fontAlgn="auto" latinLnBrk="0" hangingPunct="0">
+                <a:lnSpc>
+                  <a:spcPct val="100000"/>
+                </a:lnSpc>
+                <a:spcBef>
+                  <a:spcPts val="0"/>
+                </a:spcBef>
+                <a:spcAft>
+                  <a:spcPts val="0"/>
+                </a:spcAft>
+                <a:buClrTx/>
+                <a:buSzTx/>
+                <a:buFontTx/>
+                <a:buNone/>
+                <a:tabLst/>
+              </a:pPr>
+              <a:r>
+                <a:rPr lang="en-US" sz="1400" b="1" dirty="0"/>
+                <a:t>g</a:t>
+              </a:r>
+              <a:r>
+                <a:rPr lang="en-US" sz="1400" b="1" dirty="0" smtClean="0"/>
+                <a:t>roupie</a:t>
+              </a:r>
+              <a:r>
+                <a:rPr lang="en-US" sz="1400" dirty="0" smtClean="0"/>
+                <a:t> </a:t>
+              </a:r>
+              <a:r>
+                <a:rPr lang="en-US" sz="1400" dirty="0" smtClean="0">
+                  <a:solidFill>
+                    <a:schemeClr val="bg1">
+                      <a:lumMod val="40000"/>
+                      <a:lumOff val="60000"/>
+                    </a:schemeClr>
+                  </a:solidFill>
+                </a:rPr>
+                <a:t>| ‘grü-pē | </a:t>
+              </a:r>
+              <a:r>
+                <a:rPr lang="en-US" sz="1400" dirty="0" smtClean="0"/>
+                <a:t>noun </a:t>
+              </a:r>
+              <a:r>
+                <a:rPr lang="en-US" sz="1400" i="1" dirty="0" smtClean="0">
+                  <a:solidFill>
+                    <a:schemeClr val="bg1">
+                      <a:lumMod val="40000"/>
+                      <a:lumOff val="60000"/>
+                    </a:schemeClr>
+                  </a:solidFill>
+                </a:rPr>
+                <a:t>informal</a:t>
+              </a:r>
+            </a:p>
+            <a:p>
+              <a:pPr marL="0" marR="0" indent="0" algn="l" defTabSz="914400" rtl="0" fontAlgn="auto" latinLnBrk="0" hangingPunct="0">
+                <a:lnSpc>
+                  <a:spcPct val="100000"/>
+                </a:lnSpc>
+                <a:spcBef>
+                  <a:spcPts val="0"/>
+                </a:spcBef>
+                <a:spcAft>
+                  <a:spcPts val="0"/>
+                </a:spcAft>
+                <a:buClrTx/>
+                <a:buSzTx/>
+                <a:buFontTx/>
+                <a:buNone/>
+                <a:tabLst/>
+              </a:pPr>
+              <a:r>
+                <a:rPr kumimoji="0" lang="en-US" sz="1300" b="0" i="0" u="none" strike="noStrike" cap="none" spc="0" normalizeH="0" baseline="0" dirty="0" smtClean="0">
+                  <a:ln>
+                    <a:noFill/>
+                  </a:ln>
+                  <a:solidFill>
+                    <a:srgbClr val="000000"/>
+                  </a:solidFill>
+                  <a:effectLst/>
+                  <a:uFillTx/>
+                  <a:latin typeface="+mj-lt"/>
+                  <a:ea typeface="+mj-ea"/>
+                  <a:cs typeface="+mj-cs"/>
+                  <a:sym typeface="Arial"/>
+                </a:rPr>
+                <a:t>A</a:t>
+              </a:r>
+              <a:r>
+                <a:rPr kumimoji="0" lang="en-US" sz="1300" b="0" i="0" u="none" strike="noStrike" cap="none" spc="0" normalizeH="0" dirty="0" smtClean="0">
+                  <a:ln>
+                    <a:noFill/>
+                  </a:ln>
+                  <a:solidFill>
+                    <a:srgbClr val="000000"/>
+                  </a:solidFill>
+                  <a:effectLst/>
+                  <a:uFillTx/>
+                  <a:latin typeface="+mj-lt"/>
+                  <a:ea typeface="+mj-ea"/>
+                  <a:cs typeface="+mj-cs"/>
+                  <a:sym typeface="Arial"/>
+                </a:rPr>
+                <a:t> person who regularly follows a pop music or other celebrity in the hope of meeting or getting to know them.</a:t>
+              </a:r>
+              <a:endParaRPr kumimoji="0" lang="en-US" sz="1300" b="0" i="0" u="none" strike="noStrike" cap="none" spc="0" normalizeH="0" baseline="0" dirty="0">
                 <a:ln>
                   <a:noFill/>
                 </a:ln>
@@ -3544,89 +3320,671 @@
                 <a:ea typeface="+mj-ea"/>
                 <a:cs typeface="+mj-cs"/>
                 <a:sym typeface="Arial"/>
+              </a:endParaRPr>
+            </a:p>
+          </p:txBody>
+        </p:sp>
+        <p:cxnSp>
+          <p:nvCxnSpPr>
+            <p:cNvPr id="6" name="Straight Connector 5"/>
+            <p:cNvCxnSpPr/>
+            <p:nvPr/>
+          </p:nvCxnSpPr>
+          <p:spPr>
+            <a:xfrm>
+              <a:off x="5374888" y="1973766"/>
+              <a:ext cx="3579541" cy="0"/>
+            </a:xfrm>
+            <a:prstGeom prst="line">
+              <a:avLst/>
+            </a:prstGeom>
+            <a:noFill/>
+            <a:ln w="9525" cap="flat">
+              <a:solidFill>
+                <a:schemeClr val="tx2"/>
+              </a:solidFill>
+              <a:prstDash val="solid"/>
+              <a:round/>
+            </a:ln>
+            <a:effectLst/>
+            <a:sp3d/>
+          </p:spPr>
+          <p:style>
+            <a:lnRef idx="0">
+              <a:scrgbClr r="0" g="0" b="0"/>
+            </a:lnRef>
+            <a:fillRef idx="0">
+              <a:scrgbClr r="0" g="0" b="0"/>
+            </a:fillRef>
+            <a:effectRef idx="0">
+              <a:scrgbClr r="0" g="0" b="0"/>
+            </a:effectRef>
+            <a:fontRef idx="none"/>
+          </p:style>
+        </p:cxnSp>
+      </p:grpSp>
+      <p:sp>
+        <p:nvSpPr>
+          <p:cNvPr id="8" name="Team #1…"/>
+          <p:cNvSpPr/>
+          <p:nvPr/>
+        </p:nvSpPr>
+        <p:spPr>
+          <a:xfrm>
+            <a:off x="4337824" y="925550"/>
+            <a:ext cx="4516243" cy="583319"/>
+          </a:xfrm>
+          <a:prstGeom prst="rect">
+            <a:avLst/>
+          </a:prstGeom>
+          <a:ln w="12700">
+            <a:miter lim="400000"/>
+          </a:ln>
+          <a:extLst>
+            <a:ext uri="{C572A759-6A51-4108-AA02-DFA0A04FC94B}">
+              <ma14:wrappingTextBoxFlag xmlns:ma14="http://schemas.microsoft.com/office/mac/drawingml/2011/main" val="1"/>
+            </a:ext>
+          </a:extLst>
+        </p:spPr>
+        <p:txBody>
+          <a:bodyPr wrap="square" lIns="44999" tIns="44999" rIns="44999" bIns="44999">
+            <a:spAutoFit/>
+          </a:bodyPr>
+          <a:lstStyle/>
+          <a:p>
+            <a:pPr algn="ctr">
+              <a:spcAft>
+                <a:spcPts val="600"/>
+              </a:spcAft>
+              <a:defRPr sz="2100" b="1"/>
+            </a:pPr>
+            <a:r>
+              <a:rPr lang="en-US" sz="2600" dirty="0" smtClean="0">
+                <a:latin typeface="Arial" charset="0"/>
+                <a:ea typeface="Arial" charset="0"/>
+                <a:cs typeface="Arial" charset="0"/>
               </a:rPr>
-              <a:t>A</a:t>
-            </a:r>
-            <a:r>
-              <a:rPr kumimoji="0" lang="en-US" sz="1300" b="0" i="0" u="none" strike="noStrike" cap="none" spc="0" normalizeH="0" dirty="0" smtClean="0">
-                <a:ln>
-                  <a:noFill/>
-                </a:ln>
+              <a:t>Welcome to </a:t>
+            </a:r>
+            <a:r>
+              <a:rPr lang="en-US" sz="3200" i="1" dirty="0" smtClean="0">
                 <a:solidFill>
-                  <a:srgbClr val="000000"/>
+                  <a:schemeClr val="accent6">
+                    <a:lumMod val="75000"/>
+                  </a:schemeClr>
                 </a:solidFill>
-                <a:effectLst/>
-                <a:uFillTx/>
-                <a:latin typeface="+mj-lt"/>
-                <a:ea typeface="+mj-ea"/>
-                <a:cs typeface="+mj-cs"/>
-                <a:sym typeface="Arial"/>
+                <a:effectLst>
+                  <a:outerShdw blurRad="25400" dist="50800" dir="2700000" algn="tl" rotWithShape="0">
+                    <a:prstClr val="black">
+                      <a:alpha val="40000"/>
+                    </a:prstClr>
+                  </a:outerShdw>
+                </a:effectLst>
+                <a:latin typeface="Arial" charset="0"/>
+                <a:ea typeface="Arial" charset="0"/>
+                <a:cs typeface="Arial" charset="0"/>
               </a:rPr>
-              <a:t> person who regularly follows a pop music or other celebrity in the hope of meeting or getting to know them.</a:t>
-            </a:r>
-            <a:endParaRPr kumimoji="0" lang="en-US" sz="1300" b="0" i="0" u="none" strike="noStrike" cap="none" spc="0" normalizeH="0" baseline="0" dirty="0">
-              <a:ln>
-                <a:noFill/>
-              </a:ln>
+              <a:t>groopy</a:t>
+            </a:r>
+            <a:endParaRPr lang="en-US" sz="3200" i="1" dirty="0" smtClean="0">
               <a:solidFill>
-                <a:srgbClr val="000000"/>
+                <a:schemeClr val="accent6">
+                  <a:lumMod val="75000"/>
+                </a:schemeClr>
               </a:solidFill>
-              <a:effectLst/>
-              <a:uFillTx/>
-              <a:latin typeface="+mj-lt"/>
-              <a:ea typeface="+mj-ea"/>
-              <a:cs typeface="+mj-cs"/>
-              <a:sym typeface="Arial"/>
+              <a:effectLst>
+                <a:outerShdw blurRad="25400" dist="50800" dir="2700000" algn="tl" rotWithShape="0">
+                  <a:prstClr val="black">
+                    <a:alpha val="40000"/>
+                  </a:prstClr>
+                </a:outerShdw>
+              </a:effectLst>
+              <a:latin typeface="Arial" charset="0"/>
+              <a:ea typeface="Arial" charset="0"/>
+              <a:cs typeface="Arial" charset="0"/>
             </a:endParaRPr>
           </a:p>
         </p:txBody>
       </p:sp>
-      <p:cxnSp>
-        <p:nvCxnSpPr>
-          <p:cNvPr id="6" name="Straight Connector 5"/>
-          <p:cNvCxnSpPr/>
+      <p:sp>
+        <p:nvSpPr>
+          <p:cNvPr id="106" name="Team #1…"/>
+          <p:cNvSpPr/>
           <p:nvPr/>
-        </p:nvCxnSpPr>
+        </p:nvSpPr>
         <p:spPr>
           <a:xfrm>
-            <a:off x="5374888" y="1973766"/>
-            <a:ext cx="3579541" cy="0"/>
+            <a:off x="4337825" y="3059465"/>
+            <a:ext cx="4516243" cy="2983977"/>
           </a:xfrm>
-          <a:prstGeom prst="line">
+          <a:prstGeom prst="rect">
             <a:avLst/>
           </a:prstGeom>
-          <a:noFill/>
-          <a:ln w="9525" cap="flat">
-            <a:solidFill>
-              <a:schemeClr val="tx2"/>
-            </a:solidFill>
-            <a:prstDash val="solid"/>
-            <a:round/>
+          <a:ln w="12700">
+            <a:miter lim="400000"/>
           </a:ln>
-          <a:effectLst/>
-          <a:sp3d/>
+          <a:extLst>
+            <a:ext uri="{C572A759-6A51-4108-AA02-DFA0A04FC94B}">
+              <ma14:wrappingTextBoxFlag xmlns:ma14="http://schemas.microsoft.com/office/mac/drawingml/2011/main" val="1"/>
+            </a:ext>
+          </a:extLst>
         </p:spPr>
-        <p:style>
-          <a:lnRef idx="0">
-            <a:scrgbClr r="0" g="0" b="0"/>
-          </a:lnRef>
-          <a:fillRef idx="0">
-            <a:scrgbClr r="0" g="0" b="0"/>
-          </a:fillRef>
-          <a:effectRef idx="0">
-            <a:scrgbClr r="0" g="0" b="0"/>
-          </a:effectRef>
-          <a:fontRef idx="none"/>
-        </p:style>
-      </p:cxnSp>
+        <p:txBody>
+          <a:bodyPr wrap="square" lIns="44999" tIns="44999" rIns="44999" bIns="44999">
+            <a:spAutoFit/>
+          </a:bodyPr>
+          <a:lstStyle/>
+          <a:p>
+            <a:pPr marL="342900" indent="-342900">
+              <a:spcAft>
+                <a:spcPts val="1200"/>
+              </a:spcAft>
+              <a:buFont typeface="Arial" charset="0"/>
+              <a:buChar char="•"/>
+              <a:defRPr sz="2100" b="1"/>
+            </a:pPr>
+            <a:r>
+              <a:rPr lang="en-US" i="1" dirty="0" smtClean="0">
+                <a:latin typeface="Arial" charset="0"/>
+                <a:ea typeface="Arial" charset="0"/>
+                <a:cs typeface="Arial" charset="0"/>
+              </a:rPr>
+              <a:t>A </a:t>
+            </a:r>
+            <a:r>
+              <a:rPr lang="en-US" dirty="0" smtClean="0">
+                <a:latin typeface="Arial" charset="0"/>
+                <a:ea typeface="Arial" charset="0"/>
+                <a:cs typeface="Arial" charset="0"/>
+              </a:rPr>
+              <a:t>handy</a:t>
+            </a:r>
+            <a:r>
+              <a:rPr lang="en-US" i="1" dirty="0" smtClean="0">
+                <a:latin typeface="Arial" charset="0"/>
+                <a:ea typeface="Arial" charset="0"/>
+                <a:cs typeface="Arial" charset="0"/>
+              </a:rPr>
+              <a:t> </a:t>
+            </a:r>
+            <a:r>
+              <a:rPr lang="en-US" dirty="0" smtClean="0">
+                <a:latin typeface="Arial" charset="0"/>
+                <a:ea typeface="Arial" charset="0"/>
+                <a:cs typeface="Arial" charset="0"/>
+              </a:rPr>
+              <a:t>app to track </a:t>
+            </a:r>
+            <a:r>
+              <a:rPr lang="en-US" i="1" dirty="0" smtClean="0">
+                <a:latin typeface="Arial" charset="0"/>
+                <a:ea typeface="Arial" charset="0"/>
+                <a:cs typeface="Arial" charset="0"/>
+              </a:rPr>
+              <a:t>our</a:t>
+            </a:r>
+            <a:r>
+              <a:rPr lang="en-US" dirty="0" smtClean="0">
+                <a:latin typeface="Arial" charset="0"/>
+                <a:ea typeface="Arial" charset="0"/>
+                <a:cs typeface="Arial" charset="0"/>
+              </a:rPr>
+              <a:t> favorite bands and where they are playing next</a:t>
+            </a:r>
+          </a:p>
+          <a:p>
+            <a:pPr marL="342900" indent="-342900">
+              <a:spcAft>
+                <a:spcPts val="1200"/>
+              </a:spcAft>
+              <a:buFont typeface="Arial" charset="0"/>
+              <a:buChar char="•"/>
+              <a:defRPr sz="2100" b="1"/>
+            </a:pPr>
+            <a:r>
+              <a:rPr lang="en-US" dirty="0" smtClean="0">
+                <a:latin typeface="Arial" charset="0"/>
+                <a:ea typeface="Arial" charset="0"/>
+                <a:cs typeface="Arial" charset="0"/>
+              </a:rPr>
+              <a:t>Pull pertinent data for band bio, image, top songs, upcoming events</a:t>
+            </a:r>
+          </a:p>
+          <a:p>
+            <a:pPr marL="342900" indent="-342900">
+              <a:spcAft>
+                <a:spcPts val="1200"/>
+              </a:spcAft>
+              <a:buFont typeface="Arial" charset="0"/>
+              <a:buChar char="•"/>
+              <a:defRPr sz="2100" b="1"/>
+            </a:pPr>
+            <a:r>
+              <a:rPr lang="en-US" dirty="0" smtClean="0">
+                <a:latin typeface="Arial" charset="0"/>
+                <a:ea typeface="Arial" charset="0"/>
+                <a:cs typeface="Arial" charset="0"/>
+              </a:rPr>
+              <a:t>Design a clean, easy-to-use </a:t>
+            </a:r>
+            <a:r>
+              <a:rPr lang="en-US" dirty="0" smtClean="0">
+                <a:latin typeface="Arial" charset="0"/>
+                <a:ea typeface="Arial" charset="0"/>
+                <a:cs typeface="Arial" charset="0"/>
+              </a:rPr>
+              <a:t>interface</a:t>
+            </a:r>
+            <a:r>
+              <a:rPr lang="mr-IN" dirty="0" smtClean="0">
+                <a:latin typeface="Arial" charset="0"/>
+                <a:ea typeface="Arial" charset="0"/>
+                <a:cs typeface="Arial" charset="0"/>
+              </a:rPr>
+              <a:t>…</a:t>
+            </a:r>
+            <a:endParaRPr lang="en-US" dirty="0" smtClean="0">
+              <a:latin typeface="Arial" charset="0"/>
+              <a:ea typeface="Arial" charset="0"/>
+              <a:cs typeface="Arial" charset="0"/>
+            </a:endParaRPr>
+          </a:p>
+        </p:txBody>
+      </p:sp>
+      <p:sp>
+        <p:nvSpPr>
+          <p:cNvPr id="9" name="Team #1…"/>
+          <p:cNvSpPr/>
+          <p:nvPr/>
+        </p:nvSpPr>
+        <p:spPr>
+          <a:xfrm>
+            <a:off x="5792610" y="5129486"/>
+            <a:ext cx="3061458" cy="891096"/>
+          </a:xfrm>
+          <a:prstGeom prst="rect">
+            <a:avLst/>
+          </a:prstGeom>
+          <a:ln w="12700">
+            <a:miter lim="400000"/>
+          </a:ln>
+          <a:extLst>
+            <a:ext uri="{C572A759-6A51-4108-AA02-DFA0A04FC94B}">
+              <ma14:wrappingTextBoxFlag xmlns:ma14="http://schemas.microsoft.com/office/mac/drawingml/2011/main" val="1"/>
+            </a:ext>
+          </a:extLst>
+        </p:spPr>
+        <p:txBody>
+          <a:bodyPr wrap="square" lIns="44999" tIns="44999" rIns="44999" bIns="44999">
+            <a:spAutoFit/>
+          </a:bodyPr>
+          <a:lstStyle/>
+          <a:p>
+            <a:pPr marL="342900" indent="-342900">
+              <a:spcAft>
+                <a:spcPts val="1200"/>
+              </a:spcAft>
+              <a:buFont typeface="Arial" charset="0"/>
+              <a:buChar char="•"/>
+              <a:defRPr sz="2100" b="1"/>
+            </a:pPr>
+            <a:endParaRPr lang="en-US" i="1" dirty="0" smtClean="0">
+              <a:latin typeface="Arial" charset="0"/>
+              <a:ea typeface="Arial" charset="0"/>
+              <a:cs typeface="Arial" charset="0"/>
+            </a:endParaRPr>
+          </a:p>
+          <a:p>
+            <a:pPr>
+              <a:spcAft>
+                <a:spcPts val="1200"/>
+              </a:spcAft>
+              <a:defRPr sz="2100" b="1"/>
+            </a:pPr>
+            <a:r>
+              <a:rPr lang="mr-IN" dirty="0" smtClean="0">
+                <a:latin typeface="Arial" charset="0"/>
+                <a:ea typeface="Arial" charset="0"/>
+                <a:cs typeface="Arial" charset="0"/>
+              </a:rPr>
+              <a:t>…</a:t>
+            </a:r>
+            <a:r>
+              <a:rPr lang="en-US" dirty="0" smtClean="0">
+                <a:latin typeface="Arial" charset="0"/>
+                <a:ea typeface="Arial" charset="0"/>
+                <a:cs typeface="Arial" charset="0"/>
+              </a:rPr>
+              <a:t>and a cool name!</a:t>
+            </a:r>
+            <a:endParaRPr lang="en-US" dirty="0" smtClean="0">
+              <a:latin typeface="Arial" charset="0"/>
+              <a:ea typeface="Arial" charset="0"/>
+              <a:cs typeface="Arial" charset="0"/>
+            </a:endParaRPr>
+          </a:p>
+        </p:txBody>
+      </p:sp>
     </p:spTree>
   </p:cSld>
   <p:clrMapOvr>
     <a:masterClrMapping/>
   </p:clrMapOvr>
-  <p:transition>
-    <p:dissolve/>
-  </p:transition>
+  <mc:AlternateContent xmlns:mc="http://schemas.openxmlformats.org/markup-compatibility/2006">
+    <mc:Choice xmlns:p14="http://schemas.microsoft.com/office/powerpoint/2010/main" Requires="p14">
+      <p:transition p14:dur="0"/>
+    </mc:Choice>
+    <mc:Fallback>
+      <p:transition/>
+    </mc:Fallback>
+  </mc:AlternateContent>
+  <p:timing>
+    <p:tnLst>
+      <p:par>
+        <p:cTn id="1" dur="indefinite" restart="never" nodeType="tmRoot">
+          <p:childTnLst>
+            <p:seq concurrent="1" nextAc="seek">
+              <p:cTn id="2" dur="indefinite" nodeType="mainSeq">
+                <p:childTnLst>
+                  <p:par>
+                    <p:cTn id="3" fill="hold">
+                      <p:stCondLst>
+                        <p:cond delay="indefinite"/>
+                      </p:stCondLst>
+                      <p:childTnLst>
+                        <p:par>
+                          <p:cTn id="4" fill="hold">
+                            <p:stCondLst>
+                              <p:cond delay="0"/>
+                            </p:stCondLst>
+                            <p:childTnLst>
+                              <p:par>
+                                <p:cTn id="5" presetID="1" presetClass="entr" presetSubtype="0" fill="hold" nodeType="clickEffect">
+                                  <p:stCondLst>
+                                    <p:cond delay="0"/>
+                                  </p:stCondLst>
+                                  <p:childTnLst>
+                                    <p:set>
+                                      <p:cBhvr>
+                                        <p:cTn id="6" dur="1" fill="hold">
+                                          <p:stCondLst>
+                                            <p:cond delay="0"/>
+                                          </p:stCondLst>
+                                        </p:cTn>
+                                        <p:tgtEl>
+                                          <p:spTgt spid="106">
+                                            <p:txEl>
+                                              <p:pRg st="0" end="0"/>
+                                            </p:txEl>
+                                          </p:spTgt>
+                                        </p:tgtEl>
+                                        <p:attrNameLst>
+                                          <p:attrName>style.visibility</p:attrName>
+                                        </p:attrNameLst>
+                                      </p:cBhvr>
+                                      <p:to>
+                                        <p:strVal val="visible"/>
+                                      </p:to>
+                                    </p:set>
+                                  </p:childTnLst>
+                                </p:cTn>
+                              </p:par>
+                              <p:par>
+                                <p:cTn id="7" presetID="1" presetClass="entr" presetSubtype="0" fill="hold" nodeType="withEffect">
+                                  <p:stCondLst>
+                                    <p:cond delay="0"/>
+                                  </p:stCondLst>
+                                  <p:childTnLst>
+                                    <p:set>
+                                      <p:cBhvr>
+                                        <p:cTn id="8" dur="1" fill="hold">
+                                          <p:stCondLst>
+                                            <p:cond delay="0"/>
+                                          </p:stCondLst>
+                                        </p:cTn>
+                                        <p:tgtEl>
+                                          <p:spTgt spid="106">
+                                            <p:txEl>
+                                              <p:pRg st="1" end="1"/>
+                                            </p:txEl>
+                                          </p:spTgt>
+                                        </p:tgtEl>
+                                        <p:attrNameLst>
+                                          <p:attrName>style.visibility</p:attrName>
+                                        </p:attrNameLst>
+                                      </p:cBhvr>
+                                      <p:to>
+                                        <p:strVal val="visible"/>
+                                      </p:to>
+                                    </p:set>
+                                  </p:childTnLst>
+                                </p:cTn>
+                              </p:par>
+                              <p:par>
+                                <p:cTn id="9" presetID="1" presetClass="entr" presetSubtype="0" fill="hold" nodeType="withEffect">
+                                  <p:stCondLst>
+                                    <p:cond delay="0"/>
+                                  </p:stCondLst>
+                                  <p:childTnLst>
+                                    <p:set>
+                                      <p:cBhvr>
+                                        <p:cTn id="10" dur="1" fill="hold">
+                                          <p:stCondLst>
+                                            <p:cond delay="0"/>
+                                          </p:stCondLst>
+                                        </p:cTn>
+                                        <p:tgtEl>
+                                          <p:spTgt spid="106">
+                                            <p:txEl>
+                                              <p:pRg st="2" end="2"/>
+                                            </p:txEl>
+                                          </p:spTgt>
+                                        </p:tgtEl>
+                                        <p:attrNameLst>
+                                          <p:attrName>style.visibility</p:attrName>
+                                        </p:attrNameLst>
+                                      </p:cBhvr>
+                                      <p:to>
+                                        <p:strVal val="visible"/>
+                                      </p:to>
+                                    </p:set>
+                                  </p:childTnLst>
+                                </p:cTn>
+                              </p:par>
+                            </p:childTnLst>
+                          </p:cTn>
+                        </p:par>
+                      </p:childTnLst>
+                    </p:cTn>
+                  </p:par>
+                  <p:par>
+                    <p:cTn id="11" fill="hold">
+                      <p:stCondLst>
+                        <p:cond delay="indefinite"/>
+                      </p:stCondLst>
+                      <p:childTnLst>
+                        <p:par>
+                          <p:cTn id="12" fill="hold">
+                            <p:stCondLst>
+                              <p:cond delay="0"/>
+                            </p:stCondLst>
+                            <p:childTnLst>
+                              <p:par>
+                                <p:cTn id="13" presetID="1" presetClass="entr" presetSubtype="0" fill="hold" grpId="0" nodeType="clickEffect">
+                                  <p:stCondLst>
+                                    <p:cond delay="0"/>
+                                  </p:stCondLst>
+                                  <p:childTnLst>
+                                    <p:set>
+                                      <p:cBhvr>
+                                        <p:cTn id="14" dur="1" fill="hold">
+                                          <p:stCondLst>
+                                            <p:cond delay="0"/>
+                                          </p:stCondLst>
+                                        </p:cTn>
+                                        <p:tgtEl>
+                                          <p:spTgt spid="9"/>
+                                        </p:tgtEl>
+                                        <p:attrNameLst>
+                                          <p:attrName>style.visibility</p:attrName>
+                                        </p:attrNameLst>
+                                      </p:cBhvr>
+                                      <p:to>
+                                        <p:strVal val="visible"/>
+                                      </p:to>
+                                    </p:set>
+                                  </p:childTnLst>
+                                </p:cTn>
+                              </p:par>
+                            </p:childTnLst>
+                          </p:cTn>
+                        </p:par>
+                      </p:childTnLst>
+                    </p:cTn>
+                  </p:par>
+                  <p:par>
+                    <p:cTn id="15" fill="hold">
+                      <p:stCondLst>
+                        <p:cond delay="indefinite"/>
+                      </p:stCondLst>
+                      <p:childTnLst>
+                        <p:par>
+                          <p:cTn id="16" fill="hold">
+                            <p:stCondLst>
+                              <p:cond delay="0"/>
+                            </p:stCondLst>
+                            <p:childTnLst>
+                              <p:par>
+                                <p:cTn id="17" presetID="1" presetClass="entr" presetSubtype="0" fill="hold" nodeType="clickEffect">
+                                  <p:stCondLst>
+                                    <p:cond delay="0"/>
+                                  </p:stCondLst>
+                                  <p:childTnLst>
+                                    <p:set>
+                                      <p:cBhvr>
+                                        <p:cTn id="18" dur="1" fill="hold">
+                                          <p:stCondLst>
+                                            <p:cond delay="0"/>
+                                          </p:stCondLst>
+                                        </p:cTn>
+                                        <p:tgtEl>
+                                          <p:spTgt spid="3"/>
+                                        </p:tgtEl>
+                                        <p:attrNameLst>
+                                          <p:attrName>style.visibility</p:attrName>
+                                        </p:attrNameLst>
+                                      </p:cBhvr>
+                                      <p:to>
+                                        <p:strVal val="visible"/>
+                                      </p:to>
+                                    </p:set>
+                                  </p:childTnLst>
+                                </p:cTn>
+                              </p:par>
+                              <p:par>
+                                <p:cTn id="19" presetID="1" presetClass="entr" presetSubtype="0" fill="hold" grpId="0" nodeType="withEffect">
+                                  <p:stCondLst>
+                                    <p:cond delay="0"/>
+                                  </p:stCondLst>
+                                  <p:childTnLst>
+                                    <p:set>
+                                      <p:cBhvr>
+                                        <p:cTn id="20" dur="1" fill="hold">
+                                          <p:stCondLst>
+                                            <p:cond delay="0"/>
+                                          </p:stCondLst>
+                                        </p:cTn>
+                                        <p:tgtEl>
+                                          <p:spTgt spid="8"/>
+                                        </p:tgtEl>
+                                        <p:attrNameLst>
+                                          <p:attrName>style.visibility</p:attrName>
+                                        </p:attrNameLst>
+                                      </p:cBhvr>
+                                      <p:to>
+                                        <p:strVal val="visible"/>
+                                      </p:to>
+                                    </p:set>
+                                  </p:childTnLst>
+                                </p:cTn>
+                              </p:par>
+                            </p:childTnLst>
+                          </p:cTn>
+                        </p:par>
+                      </p:childTnLst>
+                    </p:cTn>
+                  </p:par>
+                  <p:par>
+                    <p:cTn id="21" fill="hold">
+                      <p:stCondLst>
+                        <p:cond delay="indefinite"/>
+                      </p:stCondLst>
+                      <p:childTnLst>
+                        <p:par>
+                          <p:cTn id="22" fill="hold">
+                            <p:stCondLst>
+                              <p:cond delay="0"/>
+                            </p:stCondLst>
+                            <p:childTnLst>
+                              <p:par>
+                                <p:cTn id="23" presetID="1" presetClass="entr" presetSubtype="0" fill="hold" nodeType="clickEffect">
+                                  <p:stCondLst>
+                                    <p:cond delay="0"/>
+                                  </p:stCondLst>
+                                  <p:childTnLst>
+                                    <p:set>
+                                      <p:cBhvr>
+                                        <p:cTn id="24" dur="1" fill="hold">
+                                          <p:stCondLst>
+                                            <p:cond delay="0"/>
+                                          </p:stCondLst>
+                                        </p:cTn>
+                                        <p:tgtEl>
+                                          <p:spTgt spid="2"/>
+                                        </p:tgtEl>
+                                        <p:attrNameLst>
+                                          <p:attrName>style.visibility</p:attrName>
+                                        </p:attrNameLst>
+                                      </p:cBhvr>
+                                      <p:to>
+                                        <p:strVal val="visible"/>
+                                      </p:to>
+                                    </p:set>
+                                  </p:childTnLst>
+                                </p:cTn>
+                              </p:par>
+                            </p:childTnLst>
+                          </p:cTn>
+                        </p:par>
+                      </p:childTnLst>
+                    </p:cTn>
+                  </p:par>
+                </p:childTnLst>
+              </p:cTn>
+              <p:prevCondLst>
+                <p:cond evt="onPrev" delay="0">
+                  <p:tgtEl>
+                    <p:sldTgt/>
+                  </p:tgtEl>
+                </p:cond>
+              </p:prevCondLst>
+              <p:nextCondLst>
+                <p:cond evt="onNext" delay="0">
+                  <p:tgtEl>
+                    <p:sldTgt/>
+                  </p:tgtEl>
+                </p:cond>
+              </p:nextCondLst>
+            </p:seq>
+          </p:childTnLst>
+        </p:cTn>
+      </p:par>
+    </p:tnLst>
+    <p:bldLst>
+      <p:bldP spid="8" grpId="0" animBg="1"/>
+      <p:bldP spid="9" grpId="0" animBg="1"/>
+    </p:bldLst>
+  </p:timing>
 </p:sld>
 </file>
 
@@ -3840,7 +4198,7 @@
               <a:defRPr sz="2100" b="1"/>
             </a:pPr>
             <a:r>
-              <a:rPr lang="en-US" dirty="0" err="1">
+              <a:rPr lang="en-US" dirty="0">
                 <a:latin typeface="Arial" charset="0"/>
                 <a:ea typeface="Arial" charset="0"/>
                 <a:cs typeface="Arial" charset="0"/>
@@ -3848,20 +4206,12 @@
               <a:t>g</a:t>
             </a:r>
             <a:r>
-              <a:rPr lang="en-US" dirty="0" err="1" smtClean="0">
-                <a:latin typeface="Arial" charset="0"/>
-                <a:ea typeface="Arial" charset="0"/>
-                <a:cs typeface="Arial" charset="0"/>
-              </a:rPr>
-              <a:t>roopy.com</a:t>
-            </a:r>
-            <a:r>
               <a:rPr lang="en-US" dirty="0" smtClean="0">
                 <a:latin typeface="Arial" charset="0"/>
                 <a:ea typeface="Arial" charset="0"/>
                 <a:cs typeface="Arial" charset="0"/>
               </a:rPr>
-              <a:t> domain still exists!</a:t>
+              <a:t>roopy.com domain still exists!</a:t>
             </a:r>
           </a:p>
           <a:p>
@@ -3981,9 +4331,21 @@
   <p:clrMapOvr>
     <a:masterClrMapping/>
   </p:clrMapOvr>
-  <p:transition>
-    <p:dissolve/>
-  </p:transition>
+  <mc:AlternateContent xmlns:mc="http://schemas.openxmlformats.org/markup-compatibility/2006">
+    <mc:Choice xmlns:p14="http://schemas.microsoft.com/office/powerpoint/2010/main" Requires="p14">
+      <p:transition p14:dur="0"/>
+    </mc:Choice>
+    <mc:Fallback>
+      <p:transition/>
+    </mc:Fallback>
+  </mc:AlternateContent>
+  <p:timing>
+    <p:tnLst>
+      <p:par>
+        <p:cTn id="1" dur="indefinite" restart="never" nodeType="tmRoot"/>
+      </p:par>
+    </p:tnLst>
+  </p:timing>
 </p:sld>
 </file>
 
@@ -4083,12 +4445,20 @@
               <a:defRPr sz="2100" b="1"/>
             </a:pPr>
             <a:r>
-              <a:rPr lang="en-US" dirty="0" err="1" smtClean="0">
+              <a:rPr lang="en-US" dirty="0">
                 <a:latin typeface="Arial" charset="0"/>
                 <a:ea typeface="Arial" charset="0"/>
                 <a:cs typeface="Arial" charset="0"/>
               </a:rPr>
-              <a:t>Git</a:t>
+              <a:t>g</a:t>
+            </a:r>
+            <a:r>
+              <a:rPr lang="en-US" dirty="0" smtClean="0">
+                <a:latin typeface="Arial" charset="0"/>
+                <a:ea typeface="Arial" charset="0"/>
+                <a:cs typeface="Arial" charset="0"/>
+              </a:rPr>
+              <a:t>it</a:t>
             </a:r>
             <a:endParaRPr lang="en-US" dirty="0" smtClean="0">
               <a:latin typeface="Arial" charset="0"/>
@@ -4293,9 +4663,21 @@
   <p:clrMapOvr>
     <a:masterClrMapping/>
   </p:clrMapOvr>
-  <p:transition>
-    <p:dissolve/>
-  </p:transition>
+  <mc:AlternateContent xmlns:mc="http://schemas.openxmlformats.org/markup-compatibility/2006">
+    <mc:Choice xmlns:p14="http://schemas.microsoft.com/office/powerpoint/2010/main" Requires="p14">
+      <p:transition p14:dur="0"/>
+    </mc:Choice>
+    <mc:Fallback>
+      <p:transition/>
+    </mc:Fallback>
+  </mc:AlternateContent>
+  <p:timing>
+    <p:tnLst>
+      <p:par>
+        <p:cTn id="1" dur="indefinite" restart="never" nodeType="tmRoot"/>
+      </p:par>
+    </p:tnLst>
+  </p:timing>
 </p:sld>
 </file>
 
@@ -4366,7 +4748,7 @@
         <p:spPr>
           <a:xfrm>
             <a:off x="4337825" y="925550"/>
-            <a:ext cx="4806175" cy="5523133"/>
+            <a:ext cx="4806175" cy="4892191"/>
           </a:xfrm>
           <a:prstGeom prst="rect">
             <a:avLst/>
@@ -4400,21 +4782,8 @@
                 <a:ea typeface="Arial" charset="0"/>
                 <a:cs typeface="Arial" charset="0"/>
               </a:rPr>
-              <a:t>Store bands locally </a:t>
-            </a:r>
-            <a:r>
-              <a:rPr lang="en-US" smtClean="0">
-                <a:latin typeface="Arial" charset="0"/>
-                <a:ea typeface="Arial" charset="0"/>
-                <a:cs typeface="Arial" charset="0"/>
-              </a:rPr>
-              <a:t>on client</a:t>
-            </a:r>
-            <a:endParaRPr lang="en-US" dirty="0" smtClean="0">
-              <a:latin typeface="Arial" charset="0"/>
-              <a:ea typeface="Arial" charset="0"/>
-              <a:cs typeface="Arial" charset="0"/>
-            </a:endParaRPr>
+              <a:t>Store bands locally on client</a:t>
+            </a:r>
           </a:p>
           <a:p>
             <a:pPr marL="342900" indent="-342900">
@@ -4467,15 +4836,23 @@
                 <a:ea typeface="Arial" charset="0"/>
                 <a:cs typeface="Arial" charset="0"/>
               </a:rPr>
-              <a:t>Add suggested bands, recent tweets, embedded media player</a:t>
-            </a:r>
-            <a:r>
-              <a:rPr lang="mr-IN" dirty="0" smtClean="0">
+              <a:t>Add: delete button, suggested </a:t>
+            </a:r>
+            <a:r>
+              <a:rPr lang="en-US" dirty="0" smtClean="0">
                 <a:latin typeface="Arial" charset="0"/>
                 <a:ea typeface="Arial" charset="0"/>
                 <a:cs typeface="Arial" charset="0"/>
               </a:rPr>
-              <a:t>…</a:t>
+              <a:t>bands, recent tweets, embedded media </a:t>
+            </a:r>
+            <a:r>
+              <a:rPr lang="en-US" dirty="0" smtClean="0">
+                <a:latin typeface="Arial" charset="0"/>
+                <a:ea typeface="Arial" charset="0"/>
+                <a:cs typeface="Arial" charset="0"/>
+              </a:rPr>
+              <a:t>player, proximity (Google Maps)</a:t>
             </a:r>
             <a:endParaRPr lang="en-US" dirty="0" smtClean="0">
               <a:latin typeface="Arial" charset="0"/>
@@ -4516,36 +4893,16 @@
                 <a:ea typeface="Arial" charset="0"/>
                 <a:cs typeface="Arial" charset="0"/>
               </a:rPr>
-              <a:t>Create message board for events</a:t>
-            </a:r>
-          </a:p>
-          <a:p>
-            <a:pPr marL="342900" indent="-342900">
-              <a:spcAft>
-                <a:spcPts val="1200"/>
-              </a:spcAft>
-              <a:buFont typeface="Arial" charset="0"/>
-              <a:buChar char="•"/>
-              <a:defRPr sz="2100" b="1"/>
-            </a:pPr>
+              <a:t>Create message board for </a:t>
+            </a:r>
             <a:r>
               <a:rPr lang="en-US" dirty="0" smtClean="0">
                 <a:latin typeface="Arial" charset="0"/>
                 <a:ea typeface="Arial" charset="0"/>
                 <a:cs typeface="Arial" charset="0"/>
               </a:rPr>
-              <a:t>Rank events by proximity (Google Maps API)</a:t>
-            </a:r>
-          </a:p>
-          <a:p>
-            <a:pPr marL="342900" indent="-342900">
-              <a:spcAft>
-                <a:spcPts val="1200"/>
-              </a:spcAft>
-              <a:buFont typeface="Arial" charset="0"/>
-              <a:buChar char="•"/>
-              <a:defRPr sz="2100" b="1"/>
-            </a:pPr>
+              <a:t>events</a:t>
+            </a:r>
             <a:endParaRPr lang="en-US" dirty="0">
               <a:latin typeface="Arial" charset="0"/>
               <a:ea typeface="Arial" charset="0"/>
@@ -4654,9 +5011,574 @@
   <p:clrMapOvr>
     <a:masterClrMapping/>
   </p:clrMapOvr>
-  <p:transition>
-    <p:dissolve/>
-  </p:transition>
+  <mc:AlternateContent xmlns:mc="http://schemas.openxmlformats.org/markup-compatibility/2006">
+    <mc:Choice xmlns:p14="http://schemas.microsoft.com/office/powerpoint/2010/main" Requires="p14">
+      <p:transition p14:dur="0"/>
+    </mc:Choice>
+    <mc:Fallback>
+      <p:transition/>
+    </mc:Fallback>
+  </mc:AlternateContent>
+  <p:timing>
+    <p:tnLst>
+      <p:par>
+        <p:cTn id="1" dur="indefinite" restart="never" nodeType="tmRoot"/>
+      </p:par>
+    </p:tnLst>
+  </p:timing>
+</p:sld>
+</file>
+
+<file path=ppt/slides/slide6.xml><?xml version="1.0" encoding="utf-8"?>
+<p:sld xmlns:a="http://schemas.openxmlformats.org/drawingml/2006/main" xmlns:r="http://schemas.openxmlformats.org/officeDocument/2006/relationships" xmlns:p="http://schemas.openxmlformats.org/presentationml/2006/main">
+  <p:cSld>
+    <p:spTree>
+      <p:nvGrpSpPr>
+        <p:cNvPr id="1" name=""/>
+        <p:cNvGrpSpPr/>
+        <p:nvPr/>
+      </p:nvGrpSpPr>
+      <p:grpSpPr>
+        <a:xfrm>
+          <a:off x="0" y="0"/>
+          <a:ext cx="0" cy="0"/>
+          <a:chOff x="0" y="0"/>
+          <a:chExt cx="0" cy="0"/>
+        </a:xfrm>
+      </p:grpSpPr>
+      <p:sp>
+        <p:nvSpPr>
+          <p:cNvPr id="105" name="Groups"/>
+          <p:cNvSpPr/>
+          <p:nvPr/>
+        </p:nvSpPr>
+        <p:spPr>
+          <a:xfrm>
+            <a:off x="304800" y="96193"/>
+            <a:ext cx="5470525" cy="461665"/>
+          </a:xfrm>
+          <a:prstGeom prst="rect">
+            <a:avLst/>
+          </a:prstGeom>
+          <a:ln w="12700">
+            <a:miter lim="400000"/>
+          </a:ln>
+          <a:extLst>
+            <a:ext uri="{C572A759-6A51-4108-AA02-DFA0A04FC94B}">
+              <ma14:wrappingTextBoxFlag xmlns:ma14="http://schemas.microsoft.com/office/mac/drawingml/2011/main" val="1"/>
+            </a:ext>
+          </a:extLst>
+        </p:spPr>
+        <p:txBody>
+          <a:bodyPr lIns="45719" rIns="45719" anchor="ctr">
+            <a:spAutoFit/>
+          </a:bodyPr>
+          <a:lstStyle>
+            <a:lvl1pPr>
+              <a:defRPr sz="2400" b="1"/>
+            </a:lvl1pPr>
+          </a:lstStyle>
+          <a:p>
+            <a:r>
+              <a:rPr lang="en-US" dirty="0" smtClean="0"/>
+              <a:t>Lesson’s Learned</a:t>
+            </a:r>
+            <a:endParaRPr dirty="0"/>
+          </a:p>
+        </p:txBody>
+      </p:sp>
+      <p:sp>
+        <p:nvSpPr>
+          <p:cNvPr id="106" name="Team #1…"/>
+          <p:cNvSpPr/>
+          <p:nvPr/>
+        </p:nvSpPr>
+        <p:spPr>
+          <a:xfrm>
+            <a:off x="4337825" y="925550"/>
+            <a:ext cx="4806175" cy="3122476"/>
+          </a:xfrm>
+          <a:prstGeom prst="rect">
+            <a:avLst/>
+          </a:prstGeom>
+          <a:ln w="12700">
+            <a:miter lim="400000"/>
+          </a:ln>
+          <a:extLst>
+            <a:ext uri="{C572A759-6A51-4108-AA02-DFA0A04FC94B}">
+              <ma14:wrappingTextBoxFlag xmlns:ma14="http://schemas.microsoft.com/office/mac/drawingml/2011/main" val="1"/>
+            </a:ext>
+          </a:extLst>
+        </p:spPr>
+        <p:txBody>
+          <a:bodyPr wrap="square" lIns="44999" tIns="44999" rIns="44999" bIns="44999">
+            <a:spAutoFit/>
+          </a:bodyPr>
+          <a:lstStyle/>
+          <a:p>
+            <a:pPr marL="342900" indent="-342900">
+              <a:spcAft>
+                <a:spcPts val="1200"/>
+              </a:spcAft>
+              <a:buFont typeface="Arial" charset="0"/>
+              <a:buChar char="•"/>
+              <a:defRPr sz="2100" b="1"/>
+            </a:pPr>
+            <a:r>
+              <a:rPr lang="en-US" dirty="0" smtClean="0">
+                <a:latin typeface="Arial" charset="0"/>
+                <a:ea typeface="Arial" charset="0"/>
+                <a:cs typeface="Arial" charset="0"/>
+              </a:rPr>
+              <a:t>Over communicated</a:t>
+            </a:r>
+          </a:p>
+          <a:p>
+            <a:pPr marL="342900" indent="-342900">
+              <a:spcAft>
+                <a:spcPts val="1200"/>
+              </a:spcAft>
+              <a:buFont typeface="Arial" charset="0"/>
+              <a:buChar char="•"/>
+              <a:defRPr sz="2100" b="1"/>
+            </a:pPr>
+            <a:r>
+              <a:rPr lang="en-US" dirty="0" smtClean="0">
+                <a:latin typeface="Arial" charset="0"/>
+                <a:ea typeface="Arial" charset="0"/>
+                <a:cs typeface="Arial" charset="0"/>
+              </a:rPr>
+              <a:t>Had daily goals</a:t>
+            </a:r>
+          </a:p>
+          <a:p>
+            <a:pPr marL="342900" indent="-342900">
+              <a:spcAft>
+                <a:spcPts val="1200"/>
+              </a:spcAft>
+              <a:buFont typeface="Arial" charset="0"/>
+              <a:buChar char="•"/>
+              <a:defRPr sz="2100" b="1"/>
+            </a:pPr>
+            <a:r>
+              <a:rPr lang="en-US" dirty="0" smtClean="0">
+                <a:latin typeface="Arial" charset="0"/>
+                <a:ea typeface="Arial" charset="0"/>
+                <a:cs typeface="Arial" charset="0"/>
+              </a:rPr>
+              <a:t>Asked for help (Thanks Monique, Zach, Josh and Jack!!!!)</a:t>
+            </a:r>
+          </a:p>
+          <a:p>
+            <a:pPr marL="342900" indent="-342900">
+              <a:spcAft>
+                <a:spcPts val="1200"/>
+              </a:spcAft>
+              <a:buFont typeface="Arial" charset="0"/>
+              <a:buChar char="•"/>
+              <a:defRPr sz="2100" b="1"/>
+            </a:pPr>
+            <a:r>
+              <a:rPr lang="en-US" dirty="0" smtClean="0">
+                <a:latin typeface="Arial" charset="0"/>
+                <a:ea typeface="Arial" charset="0"/>
+                <a:cs typeface="Arial" charset="0"/>
+              </a:rPr>
+              <a:t>Weren’t afraid to break the code!</a:t>
+            </a:r>
+          </a:p>
+          <a:p>
+            <a:pPr marL="342900" indent="-342900">
+              <a:spcAft>
+                <a:spcPts val="1200"/>
+              </a:spcAft>
+              <a:buFont typeface="Arial" charset="0"/>
+              <a:buChar char="•"/>
+              <a:defRPr sz="2100" b="1"/>
+            </a:pPr>
+            <a:r>
+              <a:rPr lang="en-US" dirty="0" smtClean="0">
+                <a:latin typeface="Arial" charset="0"/>
+                <a:ea typeface="Arial" charset="0"/>
+                <a:cs typeface="Arial" charset="0"/>
+              </a:rPr>
+              <a:t>Groundwork for a viable app!</a:t>
+            </a:r>
+          </a:p>
+          <a:p>
+            <a:pPr marL="342900" indent="-342900">
+              <a:spcAft>
+                <a:spcPts val="1200"/>
+              </a:spcAft>
+              <a:buFont typeface="Arial" charset="0"/>
+              <a:buChar char="•"/>
+              <a:defRPr sz="2100" b="1"/>
+            </a:pPr>
+            <a:r>
+              <a:rPr lang="en-US" dirty="0" smtClean="0">
+                <a:latin typeface="Arial" charset="0"/>
+                <a:ea typeface="Arial" charset="0"/>
+                <a:cs typeface="Arial" charset="0"/>
+              </a:rPr>
+              <a:t>Kiss is great</a:t>
+            </a:r>
+            <a:r>
+              <a:rPr lang="mr-IN" dirty="0" smtClean="0">
+                <a:latin typeface="Arial" charset="0"/>
+                <a:ea typeface="Arial" charset="0"/>
+                <a:cs typeface="Arial" charset="0"/>
+              </a:rPr>
+              <a:t>…</a:t>
+            </a:r>
+            <a:r>
+              <a:rPr lang="en-US" dirty="0" smtClean="0">
+                <a:latin typeface="Arial" charset="0"/>
+                <a:ea typeface="Arial" charset="0"/>
+                <a:cs typeface="Arial" charset="0"/>
+              </a:rPr>
+              <a:t>LOL :P</a:t>
+            </a:r>
+            <a:endParaRPr dirty="0">
+              <a:latin typeface="Arial" charset="0"/>
+              <a:ea typeface="Arial" charset="0"/>
+              <a:cs typeface="Arial" charset="0"/>
+            </a:endParaRPr>
+          </a:p>
+        </p:txBody>
+      </p:sp>
+      <p:grpSp>
+        <p:nvGrpSpPr>
+          <p:cNvPr id="7" name="Group 6"/>
+          <p:cNvGrpSpPr/>
+          <p:nvPr/>
+        </p:nvGrpSpPr>
+        <p:grpSpPr>
+          <a:xfrm>
+            <a:off x="130301" y="847492"/>
+            <a:ext cx="4017953" cy="4020656"/>
+            <a:chOff x="130301" y="847492"/>
+            <a:chExt cx="4017953" cy="4020656"/>
+          </a:xfrm>
+        </p:grpSpPr>
+        <p:pic>
+          <p:nvPicPr>
+            <p:cNvPr id="8" name="Picture 7"/>
+            <p:cNvPicPr>
+              <a:picLocks noChangeAspect="1"/>
+            </p:cNvPicPr>
+            <p:nvPr/>
+          </p:nvPicPr>
+          <p:blipFill>
+            <a:blip r:embed="rId2">
+              <a:extLst>
+                <a:ext uri="{28A0092B-C50C-407E-A947-70E740481C1C}">
+                  <a14:useLocalDpi xmlns:a14="http://schemas.microsoft.com/office/drawing/2010/main" val="0"/>
+                </a:ext>
+              </a:extLst>
+            </a:blip>
+            <a:stretch>
+              <a:fillRect/>
+            </a:stretch>
+          </p:blipFill>
+          <p:spPr>
+            <a:xfrm>
+              <a:off x="130301" y="847492"/>
+              <a:ext cx="4017953" cy="2988527"/>
+            </a:xfrm>
+            <a:prstGeom prst="rect">
+              <a:avLst/>
+            </a:prstGeom>
+          </p:spPr>
+        </p:pic>
+        <p:pic>
+          <p:nvPicPr>
+            <p:cNvPr id="9" name="Picture 8"/>
+            <p:cNvPicPr>
+              <a:picLocks noChangeAspect="1"/>
+            </p:cNvPicPr>
+            <p:nvPr/>
+          </p:nvPicPr>
+          <p:blipFill>
+            <a:blip r:embed="rId3">
+              <a:extLst>
+                <a:ext uri="{28A0092B-C50C-407E-A947-70E740481C1C}">
+                  <a14:useLocalDpi xmlns:a14="http://schemas.microsoft.com/office/drawing/2010/main" val="0"/>
+                </a:ext>
+              </a:extLst>
+            </a:blip>
+            <a:stretch>
+              <a:fillRect/>
+            </a:stretch>
+          </p:blipFill>
+          <p:spPr>
+            <a:xfrm>
+              <a:off x="130301" y="3812726"/>
+              <a:ext cx="4017953" cy="1055422"/>
+            </a:xfrm>
+            <a:prstGeom prst="rect">
+              <a:avLst/>
+            </a:prstGeom>
+          </p:spPr>
+        </p:pic>
+      </p:grpSp>
+    </p:spTree>
+    <p:extLst>
+      <p:ext uri="{BB962C8B-B14F-4D97-AF65-F5344CB8AC3E}">
+        <p14:creationId xmlns:p14="http://schemas.microsoft.com/office/powerpoint/2010/main" val="944662546"/>
+      </p:ext>
+    </p:extLst>
+  </p:cSld>
+  <p:clrMapOvr>
+    <a:masterClrMapping/>
+  </p:clrMapOvr>
+  <mc:AlternateContent xmlns:mc="http://schemas.openxmlformats.org/markup-compatibility/2006">
+    <mc:Choice xmlns:p14="http://schemas.microsoft.com/office/powerpoint/2010/main" Requires="p14">
+      <p:transition p14:dur="0"/>
+    </mc:Choice>
+    <mc:Fallback>
+      <p:transition/>
+    </mc:Fallback>
+  </mc:AlternateContent>
+  <p:timing>
+    <p:tnLst>
+      <p:par>
+        <p:cTn id="1" dur="indefinite" restart="never" nodeType="tmRoot">
+          <p:childTnLst>
+            <p:seq concurrent="1" nextAc="seek">
+              <p:cTn id="2" dur="indefinite" nodeType="mainSeq">
+                <p:childTnLst>
+                  <p:par>
+                    <p:cTn id="3" fill="hold">
+                      <p:stCondLst>
+                        <p:cond delay="indefinite"/>
+                      </p:stCondLst>
+                      <p:childTnLst>
+                        <p:par>
+                          <p:cTn id="4" fill="hold">
+                            <p:stCondLst>
+                              <p:cond delay="0"/>
+                            </p:stCondLst>
+                            <p:childTnLst>
+                              <p:par>
+                                <p:cTn id="5" presetID="1" presetClass="entr" presetSubtype="0" fill="hold" nodeType="clickEffect">
+                                  <p:stCondLst>
+                                    <p:cond delay="0"/>
+                                  </p:stCondLst>
+                                  <p:childTnLst>
+                                    <p:set>
+                                      <p:cBhvr>
+                                        <p:cTn id="6" dur="1" fill="hold">
+                                          <p:stCondLst>
+                                            <p:cond delay="0"/>
+                                          </p:stCondLst>
+                                        </p:cTn>
+                                        <p:tgtEl>
+                                          <p:spTgt spid="106">
+                                            <p:txEl>
+                                              <p:pRg st="5" end="5"/>
+                                            </p:txEl>
+                                          </p:spTgt>
+                                        </p:tgtEl>
+                                        <p:attrNameLst>
+                                          <p:attrName>style.visibility</p:attrName>
+                                        </p:attrNameLst>
+                                      </p:cBhvr>
+                                      <p:to>
+                                        <p:strVal val="visible"/>
+                                      </p:to>
+                                    </p:set>
+                                  </p:childTnLst>
+                                </p:cTn>
+                              </p:par>
+                            </p:childTnLst>
+                          </p:cTn>
+                        </p:par>
+                      </p:childTnLst>
+                    </p:cTn>
+                  </p:par>
+                </p:childTnLst>
+              </p:cTn>
+              <p:prevCondLst>
+                <p:cond evt="onPrev" delay="0">
+                  <p:tgtEl>
+                    <p:sldTgt/>
+                  </p:tgtEl>
+                </p:cond>
+              </p:prevCondLst>
+              <p:nextCondLst>
+                <p:cond evt="onNext" delay="0">
+                  <p:tgtEl>
+                    <p:sldTgt/>
+                  </p:tgtEl>
+                </p:cond>
+              </p:nextCondLst>
+            </p:seq>
+          </p:childTnLst>
+        </p:cTn>
+      </p:par>
+    </p:tnLst>
+  </p:timing>
+</p:sld>
+</file>
+
+<file path=ppt/slides/slide7.xml><?xml version="1.0" encoding="utf-8"?>
+<p:sld xmlns:a="http://schemas.openxmlformats.org/drawingml/2006/main" xmlns:r="http://schemas.openxmlformats.org/officeDocument/2006/relationships" xmlns:p="http://schemas.openxmlformats.org/presentationml/2006/main">
+  <p:cSld>
+    <p:spTree>
+      <p:nvGrpSpPr>
+        <p:cNvPr id="1" name=""/>
+        <p:cNvGrpSpPr/>
+        <p:nvPr/>
+      </p:nvGrpSpPr>
+      <p:grpSpPr>
+        <a:xfrm>
+          <a:off x="0" y="0"/>
+          <a:ext cx="0" cy="0"/>
+          <a:chOff x="0" y="0"/>
+          <a:chExt cx="0" cy="0"/>
+        </a:xfrm>
+      </p:grpSpPr>
+      <p:sp>
+        <p:nvSpPr>
+          <p:cNvPr id="105" name="Groups"/>
+          <p:cNvSpPr/>
+          <p:nvPr/>
+        </p:nvSpPr>
+        <p:spPr>
+          <a:xfrm>
+            <a:off x="304800" y="96193"/>
+            <a:ext cx="5470525" cy="461665"/>
+          </a:xfrm>
+          <a:prstGeom prst="rect">
+            <a:avLst/>
+          </a:prstGeom>
+          <a:ln w="12700">
+            <a:miter lim="400000"/>
+          </a:ln>
+          <a:extLst>
+            <a:ext uri="{C572A759-6A51-4108-AA02-DFA0A04FC94B}">
+              <ma14:wrappingTextBoxFlag xmlns:ma14="http://schemas.microsoft.com/office/mac/drawingml/2011/main" val="1"/>
+            </a:ext>
+          </a:extLst>
+        </p:spPr>
+        <p:txBody>
+          <a:bodyPr lIns="45719" rIns="45719" anchor="ctr">
+            <a:spAutoFit/>
+          </a:bodyPr>
+          <a:lstStyle>
+            <a:lvl1pPr>
+              <a:defRPr sz="2400" b="1"/>
+            </a:lvl1pPr>
+          </a:lstStyle>
+          <a:p>
+            <a:r>
+              <a:rPr lang="en-US" dirty="0" smtClean="0"/>
+              <a:t>Demo Time!!!</a:t>
+            </a:r>
+            <a:endParaRPr dirty="0"/>
+          </a:p>
+        </p:txBody>
+      </p:sp>
+      <p:grpSp>
+        <p:nvGrpSpPr>
+          <p:cNvPr id="7" name="Group 6"/>
+          <p:cNvGrpSpPr/>
+          <p:nvPr/>
+        </p:nvGrpSpPr>
+        <p:grpSpPr>
+          <a:xfrm>
+            <a:off x="130301" y="847492"/>
+            <a:ext cx="4017953" cy="4020656"/>
+            <a:chOff x="130301" y="847492"/>
+            <a:chExt cx="4017953" cy="4020656"/>
+          </a:xfrm>
+        </p:grpSpPr>
+        <p:pic>
+          <p:nvPicPr>
+            <p:cNvPr id="8" name="Picture 7"/>
+            <p:cNvPicPr>
+              <a:picLocks noChangeAspect="1"/>
+            </p:cNvPicPr>
+            <p:nvPr/>
+          </p:nvPicPr>
+          <p:blipFill>
+            <a:blip r:embed="rId2">
+              <a:extLst>
+                <a:ext uri="{28A0092B-C50C-407E-A947-70E740481C1C}">
+                  <a14:useLocalDpi xmlns:a14="http://schemas.microsoft.com/office/drawing/2010/main" val="0"/>
+                </a:ext>
+              </a:extLst>
+            </a:blip>
+            <a:stretch>
+              <a:fillRect/>
+            </a:stretch>
+          </p:blipFill>
+          <p:spPr>
+            <a:xfrm>
+              <a:off x="130301" y="847492"/>
+              <a:ext cx="4017953" cy="2988527"/>
+            </a:xfrm>
+            <a:prstGeom prst="rect">
+              <a:avLst/>
+            </a:prstGeom>
+          </p:spPr>
+        </p:pic>
+        <p:pic>
+          <p:nvPicPr>
+            <p:cNvPr id="9" name="Picture 8"/>
+            <p:cNvPicPr>
+              <a:picLocks noChangeAspect="1"/>
+            </p:cNvPicPr>
+            <p:nvPr/>
+          </p:nvPicPr>
+          <p:blipFill>
+            <a:blip r:embed="rId3">
+              <a:extLst>
+                <a:ext uri="{28A0092B-C50C-407E-A947-70E740481C1C}">
+                  <a14:useLocalDpi xmlns:a14="http://schemas.microsoft.com/office/drawing/2010/main" val="0"/>
+                </a:ext>
+              </a:extLst>
+            </a:blip>
+            <a:stretch>
+              <a:fillRect/>
+            </a:stretch>
+          </p:blipFill>
+          <p:spPr>
+            <a:xfrm>
+              <a:off x="130301" y="3812726"/>
+              <a:ext cx="4017953" cy="1055422"/>
+            </a:xfrm>
+            <a:prstGeom prst="rect">
+              <a:avLst/>
+            </a:prstGeom>
+          </p:spPr>
+        </p:pic>
+      </p:grpSp>
+    </p:spTree>
+    <p:extLst>
+      <p:ext uri="{BB962C8B-B14F-4D97-AF65-F5344CB8AC3E}">
+        <p14:creationId xmlns:p14="http://schemas.microsoft.com/office/powerpoint/2010/main" val="429747641"/>
+      </p:ext>
+    </p:extLst>
+  </p:cSld>
+  <p:clrMapOvr>
+    <a:masterClrMapping/>
+  </p:clrMapOvr>
+  <mc:AlternateContent xmlns:mc="http://schemas.openxmlformats.org/markup-compatibility/2006">
+    <mc:Choice xmlns:p14="http://schemas.microsoft.com/office/powerpoint/2010/main" Requires="p14">
+      <p:transition p14:dur="0"/>
+    </mc:Choice>
+    <mc:Fallback>
+      <p:transition/>
+    </mc:Fallback>
+  </mc:AlternateContent>
+  <p:timing>
+    <p:tnLst>
+      <p:par>
+        <p:cTn id="1" dur="indefinite" restart="never" nodeType="tmRoot"/>
+      </p:par>
+    </p:tnLst>
+  </p:timing>
 </p:sld>
 </file>
 

--- a/Groopy Project Overview.pptx
+++ b/Groopy Project Overview.pptx
@@ -4416,7 +4416,7 @@
         <p:spPr>
           <a:xfrm>
             <a:off x="4337825" y="925550"/>
-            <a:ext cx="4728116" cy="3276364"/>
+            <a:ext cx="4728116" cy="3753418"/>
           </a:xfrm>
           <a:prstGeom prst="rect">
             <a:avLst/>
@@ -4543,8 +4543,39 @@
                 <a:ea typeface="Arial" charset="0"/>
                 <a:cs typeface="Arial" charset="0"/>
               </a:rPr>
-              <a:t>Fighting Bootstrap</a:t>
-            </a:r>
+              <a:t>Fighting </a:t>
+            </a:r>
+            <a:r>
+              <a:rPr lang="en-US" dirty="0" smtClean="0">
+                <a:latin typeface="Arial" charset="0"/>
+                <a:ea typeface="Arial" charset="0"/>
+                <a:cs typeface="Arial" charset="0"/>
+              </a:rPr>
+              <a:t>Bootstrap</a:t>
+            </a:r>
+          </a:p>
+          <a:p>
+            <a:pPr marL="342900" indent="-342900">
+              <a:spcAft>
+                <a:spcPts val="1200"/>
+              </a:spcAft>
+              <a:buFont typeface="Arial" charset="0"/>
+              <a:buChar char="•"/>
+              <a:defRPr sz="2100" b="1"/>
+            </a:pPr>
+            <a:r>
+              <a:rPr lang="en-US" dirty="0" smtClean="0">
+                <a:latin typeface="Arial" charset="0"/>
+                <a:ea typeface="Arial" charset="0"/>
+                <a:cs typeface="Arial" charset="0"/>
+              </a:rPr>
+              <a:t>Timely access to data</a:t>
+            </a:r>
+            <a:endParaRPr lang="en-US" dirty="0" smtClean="0">
+              <a:latin typeface="Arial" charset="0"/>
+              <a:ea typeface="Arial" charset="0"/>
+              <a:cs typeface="Arial" charset="0"/>
+            </a:endParaRPr>
           </a:p>
           <a:p>
             <a:pPr marL="342900" indent="-342900">
@@ -4782,7 +4813,7 @@
                 <a:ea typeface="Arial" charset="0"/>
                 <a:cs typeface="Arial" charset="0"/>
               </a:rPr>
-              <a:t>Store bands locally on client</a:t>
+              <a:t>Add: delete button, suggested bands, recent tweets, embedded media player, proximity (Google Maps)</a:t>
             </a:r>
           </a:p>
           <a:p>
@@ -4800,7 +4831,7 @@
                 <a:ea typeface="Arial" charset="0"/>
                 <a:cs typeface="Arial" charset="0"/>
               </a:rPr>
-              <a:t>Improve error handling &amp; formatting</a:t>
+              <a:t>Add metric representing popularity &amp; play count for songs</a:t>
             </a:r>
           </a:p>
           <a:p>
@@ -4818,7 +4849,7 @@
                 <a:ea typeface="Arial" charset="0"/>
                 <a:cs typeface="Arial" charset="0"/>
               </a:rPr>
-              <a:t>Improve mobile responsiveness</a:t>
+              <a:t>Improve error handling &amp; formatting</a:t>
             </a:r>
           </a:p>
           <a:p>
@@ -4836,7 +4867,7 @@
                 <a:ea typeface="Arial" charset="0"/>
                 <a:cs typeface="Arial" charset="0"/>
               </a:rPr>
-              <a:t>Add: delete button, suggested </a:t>
+              <a:t>Store </a:t>
             </a:r>
             <a:r>
               <a:rPr lang="en-US" dirty="0" smtClean="0">
@@ -4844,21 +4875,8 @@
                 <a:ea typeface="Arial" charset="0"/>
                 <a:cs typeface="Arial" charset="0"/>
               </a:rPr>
-              <a:t>bands, recent tweets, embedded media </a:t>
-            </a:r>
-            <a:r>
-              <a:rPr lang="en-US" dirty="0" smtClean="0">
-                <a:latin typeface="Arial" charset="0"/>
-                <a:ea typeface="Arial" charset="0"/>
-                <a:cs typeface="Arial" charset="0"/>
-              </a:rPr>
-              <a:t>player, proximity (Google Maps)</a:t>
-            </a:r>
-            <a:endParaRPr lang="en-US" dirty="0" smtClean="0">
-              <a:latin typeface="Arial" charset="0"/>
-              <a:ea typeface="Arial" charset="0"/>
-              <a:cs typeface="Arial" charset="0"/>
-            </a:endParaRPr>
+              <a:t>bands locally on client</a:t>
+            </a:r>
           </a:p>
           <a:p>
             <a:pPr marL="342900" indent="-342900">
@@ -4875,7 +4893,15 @@
                 <a:ea typeface="Arial" charset="0"/>
                 <a:cs typeface="Arial" charset="0"/>
               </a:rPr>
-              <a:t>Add metric representing popularity &amp; play count for songs</a:t>
+              <a:t>Improve </a:t>
+            </a:r>
+            <a:r>
+              <a:rPr lang="en-US" dirty="0" smtClean="0">
+                <a:latin typeface="Arial" charset="0"/>
+                <a:ea typeface="Arial" charset="0"/>
+                <a:cs typeface="Arial" charset="0"/>
+              </a:rPr>
+              <a:t>mobile responsiveness</a:t>
             </a:r>
           </a:p>
           <a:p>
@@ -4893,7 +4919,15 @@
                 <a:ea typeface="Arial" charset="0"/>
                 <a:cs typeface="Arial" charset="0"/>
               </a:rPr>
-              <a:t>Create message board for </a:t>
+              <a:t>Create </a:t>
+            </a:r>
+            <a:r>
+              <a:rPr lang="en-US" dirty="0" smtClean="0">
+                <a:latin typeface="Arial" charset="0"/>
+                <a:ea typeface="Arial" charset="0"/>
+                <a:cs typeface="Arial" charset="0"/>
+              </a:rPr>
+              <a:t>message board for </a:t>
             </a:r>
             <a:r>
               <a:rPr lang="en-US" dirty="0" smtClean="0">
@@ -5096,7 +5130,7 @@
         <p:spPr>
           <a:xfrm>
             <a:off x="4337825" y="925550"/>
-            <a:ext cx="4806175" cy="3122476"/>
+            <a:ext cx="4806175" cy="2645422"/>
           </a:xfrm>
           <a:prstGeom prst="rect">
             <a:avLst/>
@@ -5204,45 +5238,6 @@
               </a:rPr>
               <a:t>Groundwork for a viable app!</a:t>
             </a:r>
-          </a:p>
-          <a:p>
-            <a:pPr marL="342900" indent="-342900">
-              <a:spcAft>
-                <a:spcPts val="1200"/>
-              </a:spcAft>
-              <a:buFont typeface="Arial" charset="0"/>
-              <a:buChar char="•"/>
-              <a:defRPr sz="2100" b="1"/>
-            </a:pPr>
-            <a:r>
-              <a:rPr lang="en-US" dirty="0" smtClean="0">
-                <a:latin typeface="Arial" charset="0"/>
-                <a:ea typeface="Arial" charset="0"/>
-                <a:cs typeface="Arial" charset="0"/>
-              </a:rPr>
-              <a:t>Kiss is great</a:t>
-            </a:r>
-            <a:r>
-              <a:rPr lang="mr-IN" dirty="0" smtClean="0">
-                <a:latin typeface="Arial" charset="0"/>
-                <a:ea typeface="Arial" charset="0"/>
-                <a:cs typeface="Arial" charset="0"/>
-              </a:rPr>
-              <a:t>…</a:t>
-            </a:r>
-            <a:r>
-              <a:rPr lang="en-US" dirty="0" smtClean="0">
-                <a:latin typeface="Arial" charset="0"/>
-                <a:ea typeface="Arial" charset="0"/>
-                <a:cs typeface="Arial" charset="0"/>
-              </a:rPr>
-              <a:t>LOL :P</a:t>
-            </a:r>
-            <a:endParaRPr dirty="0">
-              <a:latin typeface="Arial" charset="0"/>
-              <a:ea typeface="Arial" charset="0"/>
-              <a:cs typeface="Arial" charset="0"/>
-            </a:endParaRPr>
           </a:p>
         </p:txBody>
       </p:sp>
@@ -5342,79 +5337,7 @@
   <p:timing>
     <p:tnLst>
       <p:par>
-        <p:cTn id="1" dur="indefinite" restart="never" nodeType="tmRoot">
-          <p:childTnLst>
-            <p:seq concurrent="1" nextAc="seek">
-              <p:cTn id="2" dur="indefinite" nodeType="mainSeq">
-                <p:childTnLst>
-                  <p:par>
-                    <p:cTn id="3" fill="hold">
-                      <p:stCondLst>
-                        <p:cond delay="indefinite"/>
-                      </p:stCondLst>
-                      <p:childTnLst>
-                        <p:par>
-                          <p:cTn id="4" fill="hold">
-                            <p:stCondLst>
-                              <p:cond delay="0"/>
-                            </p:stCondLst>
-                            <p:childTnLst>
-                              <p:par>
-                                <p:cTn id="5" presetID="1" presetClass="entr" presetSubtype="0" fill="hold" nodeType="clickEffect">
-                                  <p:stCondLst>
-                                    <p:cond delay="0"/>
-                                  </p:stCondLst>
-                                  <p:childTnLst>
-                                    <p:set>
-                                      <p:cBhvr>
-                                        <p:cTn id="6" dur="1" fill="hold">
-                                          <p:stCondLst>
-                                            <p:cond delay="0"/>
-                                          </p:stCondLst>
-                                        </p:cTn>
-                                        <p:tgtEl>
-                                          <p:spTgt spid="106">
-                                            <p:txEl>
-                                              <p:pRg st="5" end="5"/>
-                                            </p:txEl>
-                                          </p:spTgt>
-                                        </p:tgtEl>
-                                        <p:attrNameLst>
-                                          <p:attrName>style.visibility</p:attrName>
-                                        </p:attrNameLst>
-                                      </p:cBhvr>
-                                      <p:to>
-                                        <p:strVal val="visible"/>
-                                      </p:to>
-                                    </p:set>
-                                  </p:childTnLst>
-                                </p:cTn>
-                              </p:par>
-                            </p:childTnLst>
-                          </p:cTn>
-                        </p:par>
-                      </p:childTnLst>
-                    </p:cTn>
-                  </p:par>
-                </p:childTnLst>
-              </p:cTn>
-              <p:prevCondLst>
-                <p:cond evt="onPrev" delay="0">
-                  <p:tgtEl>
-                    <p:sldTgt/>
-                  </p:tgtEl>
-                </p:cond>
-              </p:prevCondLst>
-              <p:nextCondLst>
-                <p:cond evt="onNext" delay="0">
-                  <p:tgtEl>
-                    <p:sldTgt/>
-                  </p:tgtEl>
-                </p:cond>
-              </p:nextCondLst>
-            </p:seq>
-          </p:childTnLst>
-        </p:cTn>
+        <p:cTn id="1" dur="indefinite" restart="never" nodeType="tmRoot"/>
       </p:par>
     </p:tnLst>
   </p:timing>
